--- a/Gradient Descent/Gradient Descent.pptx
+++ b/Gradient Descent/Gradient Descent.pptx
@@ -11,9 +11,9 @@
     <p:sldId id="256" r:id="rId2"/>
     <p:sldId id="258" r:id="rId3"/>
     <p:sldId id="259" r:id="rId4"/>
-    <p:sldId id="261" r:id="rId5"/>
-    <p:sldId id="262" r:id="rId6"/>
-    <p:sldId id="260" r:id="rId7"/>
+    <p:sldId id="260" r:id="rId5"/>
+    <p:sldId id="261" r:id="rId6"/>
+    <p:sldId id="262" r:id="rId7"/>
   </p:sldIdLst>
   <p:sldSz cx="12192000" cy="6858000"/>
   <p:notesSz cx="6858000" cy="9144000"/>
@@ -1203,6 +1203,9 @@
           <a:bodyPr/>
           <a:lstStyle>
             <a:lvl1pPr>
+              <a:lnSpc>
+                <a:spcPct val="130000"/>
+              </a:lnSpc>
               <a:spcBef>
                 <a:spcPts val="600"/>
               </a:spcBef>
@@ -7763,6 +7766,668 @@
           <a:p>
             <a:r>
               <a:rPr lang="en-US" dirty="0" smtClean="0"/>
+              <a:t>Gradient Descent</a:t>
+            </a:r>
+            <a:br>
+              <a:rPr lang="en-US" dirty="0" smtClean="0"/>
+            </a:br>
+            <a:r>
+              <a:rPr lang="en-US" sz="1600" dirty="0" smtClean="0"/>
+              <a:t>Gradient Descent </a:t>
+            </a:r>
+            <a:r>
+              <a:rPr lang="en-US" sz="1600" dirty="0" err="1" smtClean="0"/>
+              <a:t>cho</a:t>
+            </a:r>
+            <a:r>
+              <a:rPr lang="en-US" sz="1600" dirty="0" smtClean="0"/>
+              <a:t> </a:t>
+            </a:r>
+            <a:r>
+              <a:rPr lang="en-US" sz="1600" dirty="0" err="1" smtClean="0"/>
+              <a:t>nhiều</a:t>
+            </a:r>
+            <a:r>
+              <a:rPr lang="en-US" sz="1600" dirty="0" smtClean="0"/>
+              <a:t> </a:t>
+            </a:r>
+            <a:r>
+              <a:rPr lang="en-US" sz="1600" dirty="0" err="1" smtClean="0"/>
+              <a:t>biến</a:t>
+            </a:r>
+            <a:endParaRPr lang="en-US" sz="2400" dirty="0"/>
+          </a:p>
+        </p:txBody>
+      </p:sp>
+      <mc:AlternateContent xmlns:mc="http://schemas.openxmlformats.org/markup-compatibility/2006">
+        <mc:Choice xmlns:a14="http://schemas.microsoft.com/office/drawing/2010/main" Requires="a14">
+          <p:sp>
+            <p:nvSpPr>
+              <p:cNvPr id="3" name="Content Placeholder 2"/>
+              <p:cNvSpPr>
+                <a:spLocks noGrp="1"/>
+              </p:cNvSpPr>
+              <p:nvPr>
+                <p:ph idx="1"/>
+              </p:nvPr>
+            </p:nvSpPr>
+            <p:spPr/>
+            <p:txBody>
+              <a:bodyPr>
+                <a:normAutofit/>
+              </a:bodyPr>
+              <a:lstStyle/>
+              <a:p>
+                <a:pPr>
+                  <a:lnSpc>
+                    <a:spcPct val="130000"/>
+                  </a:lnSpc>
+                  <a:buFont typeface="Wingdings" panose="05000000000000000000" pitchFamily="2" charset="2"/>
+                  <a:buChar char="§"/>
+                </a:pPr>
+                <a:r>
+                  <a:rPr lang="en-US" sz="1800" dirty="0" smtClean="0"/>
+                  <a:t>Trong </a:t>
+                </a:r>
+                <a:r>
+                  <a:rPr lang="en-US" sz="1800" dirty="0" err="1" smtClean="0"/>
+                  <a:t>các</a:t>
+                </a:r>
+                <a:r>
+                  <a:rPr lang="en-US" sz="1800" dirty="0" smtClean="0"/>
+                  <a:t> </a:t>
+                </a:r>
+                <a:r>
+                  <a:rPr lang="en-US" sz="1800" dirty="0" err="1" smtClean="0"/>
+                  <a:t>bài</a:t>
+                </a:r>
+                <a:r>
+                  <a:rPr lang="en-US" sz="1800" dirty="0" smtClean="0"/>
+                  <a:t> </a:t>
+                </a:r>
+                <a:r>
+                  <a:rPr lang="en-US" sz="1800" dirty="0" err="1" smtClean="0"/>
+                  <a:t>toán</a:t>
+                </a:r>
+                <a:r>
+                  <a:rPr lang="en-US" sz="1800" dirty="0" smtClean="0"/>
+                  <a:t> ta </a:t>
+                </a:r>
+                <a:r>
+                  <a:rPr lang="en-US" sz="1800" dirty="0" err="1" smtClean="0"/>
+                  <a:t>gặp</a:t>
+                </a:r>
+                <a:r>
+                  <a:rPr lang="en-US" sz="1800" dirty="0" smtClean="0"/>
+                  <a:t> </a:t>
+                </a:r>
+                <a:r>
+                  <a:rPr lang="en-US" sz="1800" dirty="0" err="1" smtClean="0"/>
+                  <a:t>phải</a:t>
+                </a:r>
+                <a:r>
+                  <a:rPr lang="en-US" sz="1800" dirty="0" smtClean="0"/>
+                  <a:t>, ta </a:t>
+                </a:r>
+                <a:r>
+                  <a:rPr lang="en-US" sz="1800" dirty="0" err="1" smtClean="0"/>
+                  <a:t>thường</a:t>
+                </a:r>
+                <a:r>
+                  <a:rPr lang="en-US" sz="1800" dirty="0" smtClean="0"/>
+                  <a:t> </a:t>
+                </a:r>
+                <a:r>
+                  <a:rPr lang="en-US" sz="1800" dirty="0" err="1" smtClean="0"/>
+                  <a:t>gặp</a:t>
+                </a:r>
+                <a:r>
+                  <a:rPr lang="en-US" sz="1800" dirty="0" smtClean="0"/>
+                  <a:t> </a:t>
+                </a:r>
+                <a:r>
+                  <a:rPr lang="en-US" sz="1800" dirty="0" err="1" smtClean="0"/>
+                  <a:t>hàm</a:t>
+                </a:r>
+                <a:r>
+                  <a:rPr lang="en-US" sz="1800" dirty="0" smtClean="0"/>
+                  <a:t> </a:t>
+                </a:r>
+                <a14:m>
+                  <m:oMath xmlns:m="http://schemas.openxmlformats.org/officeDocument/2006/math">
+                    <m:r>
+                      <a:rPr lang="en-US" sz="1800" b="0" i="1" smtClean="0">
+                        <a:latin typeface="Cambria Math" panose="02040503050406030204" pitchFamily="18" charset="0"/>
+                      </a:rPr>
+                      <m:t>𝑓</m:t>
+                    </m:r>
+                    <m:d>
+                      <m:dPr>
+                        <m:ctrlPr>
+                          <a:rPr lang="en-US" sz="1800" b="0" i="1" smtClean="0">
+                            <a:latin typeface="Cambria Math" panose="02040503050406030204" pitchFamily="18" charset="0"/>
+                          </a:rPr>
+                        </m:ctrlPr>
+                      </m:dPr>
+                      <m:e>
+                        <m:r>
+                          <a:rPr lang="en-US" sz="1800" b="0" i="1" smtClean="0">
+                            <a:latin typeface="Cambria Math" panose="02040503050406030204" pitchFamily="18" charset="0"/>
+                            <a:ea typeface="Cambria Math" panose="02040503050406030204" pitchFamily="18" charset="0"/>
+                          </a:rPr>
+                          <m:t>𝜃</m:t>
+                        </m:r>
+                      </m:e>
+                    </m:d>
+                  </m:oMath>
+                </a14:m>
+                <a:r>
+                  <a:rPr lang="en-US" sz="1800" dirty="0" smtClean="0"/>
+                  <a:t> </a:t>
+                </a:r>
+                <a:r>
+                  <a:rPr lang="en-US" sz="1800" dirty="0" err="1" smtClean="0"/>
+                  <a:t>trong</a:t>
+                </a:r>
+                <a:r>
+                  <a:rPr lang="en-US" sz="1800" dirty="0" smtClean="0"/>
+                  <a:t> </a:t>
+                </a:r>
+                <a:r>
+                  <a:rPr lang="en-US" sz="1800" dirty="0" err="1" smtClean="0"/>
+                  <a:t>đó</a:t>
+                </a:r>
+                <a:r>
+                  <a:rPr lang="en-US" sz="1800" dirty="0" smtClean="0"/>
+                  <a:t>, </a:t>
+                </a:r>
+                <a14:m>
+                  <m:oMath xmlns:m="http://schemas.openxmlformats.org/officeDocument/2006/math">
+                    <m:r>
+                      <a:rPr lang="en-US" sz="1800" i="1" smtClean="0">
+                        <a:latin typeface="Cambria Math" panose="02040503050406030204" pitchFamily="18" charset="0"/>
+                        <a:ea typeface="Cambria Math" panose="02040503050406030204" pitchFamily="18" charset="0"/>
+                      </a:rPr>
+                      <m:t>𝜃</m:t>
+                    </m:r>
+                  </m:oMath>
+                </a14:m>
+                <a:r>
+                  <a:rPr lang="en-US" sz="1800" dirty="0" smtClean="0"/>
+                  <a:t> </a:t>
+                </a:r>
+                <a:r>
+                  <a:rPr lang="en-US" sz="1800" dirty="0" err="1" smtClean="0"/>
+                  <a:t>là</a:t>
+                </a:r>
+                <a:r>
+                  <a:rPr lang="en-US" sz="1800" dirty="0" smtClean="0"/>
+                  <a:t> </a:t>
+                </a:r>
+                <a:r>
+                  <a:rPr lang="en-US" sz="1800" dirty="0" err="1" smtClean="0"/>
+                  <a:t>một</a:t>
+                </a:r>
+                <a:r>
+                  <a:rPr lang="en-US" sz="1800" dirty="0" smtClean="0"/>
+                  <a:t> vector. </a:t>
+                </a:r>
+                <a:r>
+                  <a:rPr lang="en-US" sz="1800" dirty="0" err="1" smtClean="0"/>
+                  <a:t>Vậy</a:t>
+                </a:r>
+                <a:r>
+                  <a:rPr lang="en-US" sz="1800" dirty="0" smtClean="0"/>
+                  <a:t> </a:t>
+                </a:r>
+                <a:r>
+                  <a:rPr lang="en-US" sz="1800" dirty="0" err="1" smtClean="0"/>
+                  <a:t>tương</a:t>
+                </a:r>
+                <a:r>
+                  <a:rPr lang="en-US" sz="1800" dirty="0" smtClean="0"/>
+                  <a:t> </a:t>
+                </a:r>
+                <a:r>
+                  <a:rPr lang="en-US" sz="1800" dirty="0" err="1" smtClean="0"/>
+                  <a:t>tự</a:t>
+                </a:r>
+                <a:r>
+                  <a:rPr lang="en-US" sz="1800" dirty="0" smtClean="0"/>
+                  <a:t> </a:t>
+                </a:r>
+                <a:r>
+                  <a:rPr lang="en-US" sz="1800" dirty="0" err="1" smtClean="0"/>
+                  <a:t>hàm</a:t>
+                </a:r>
+                <a:r>
+                  <a:rPr lang="en-US" sz="1800" dirty="0" smtClean="0"/>
+                  <a:t> 1 </a:t>
+                </a:r>
+                <a:r>
+                  <a:rPr lang="en-US" sz="1800" dirty="0" err="1" smtClean="0"/>
+                  <a:t>biến</a:t>
+                </a:r>
+                <a:r>
+                  <a:rPr lang="en-US" sz="1800" dirty="0" smtClean="0"/>
+                  <a:t>, </a:t>
+                </a:r>
+                <a:r>
+                  <a:rPr lang="en-US" sz="1800" dirty="0" err="1" smtClean="0"/>
+                  <a:t>công</a:t>
+                </a:r>
+                <a:r>
+                  <a:rPr lang="en-US" sz="1800" dirty="0" smtClean="0"/>
+                  <a:t> </a:t>
+                </a:r>
+                <a:r>
+                  <a:rPr lang="en-US" sz="1800" dirty="0" err="1" smtClean="0"/>
+                  <a:t>thức</a:t>
+                </a:r>
+                <a:r>
+                  <a:rPr lang="en-US" sz="1800" dirty="0" smtClean="0"/>
+                  <a:t> </a:t>
+                </a:r>
+                <a:r>
+                  <a:rPr lang="en-US" sz="1800" dirty="0" err="1" smtClean="0"/>
+                  <a:t>tổng</a:t>
+                </a:r>
+                <a:r>
+                  <a:rPr lang="en-US" sz="1800" dirty="0" smtClean="0"/>
+                  <a:t> </a:t>
+                </a:r>
+                <a:r>
+                  <a:rPr lang="en-US" sz="1800" dirty="0" err="1" smtClean="0"/>
+                  <a:t>quát</a:t>
+                </a:r>
+                <a:r>
+                  <a:rPr lang="en-US" sz="1800" dirty="0" smtClean="0"/>
+                  <a:t> </a:t>
+                </a:r>
+                <a:r>
+                  <a:rPr lang="en-US" sz="1800" dirty="0" err="1" smtClean="0"/>
+                  <a:t>chung</a:t>
+                </a:r>
+                <a:r>
+                  <a:rPr lang="en-US" sz="1800" dirty="0" smtClean="0"/>
+                  <a:t> </a:t>
+                </a:r>
+                <a:r>
+                  <a:rPr lang="en-US" sz="1800" dirty="0" err="1" smtClean="0"/>
+                  <a:t>của</a:t>
+                </a:r>
+                <a:r>
+                  <a:rPr lang="en-US" sz="1800" dirty="0" smtClean="0"/>
+                  <a:t> </a:t>
+                </a:r>
+                <a:r>
+                  <a:rPr lang="en-US" sz="1800" dirty="0" err="1" smtClean="0"/>
+                  <a:t>để</a:t>
+                </a:r>
+                <a:r>
+                  <a:rPr lang="en-US" sz="1800" dirty="0" smtClean="0"/>
+                  <a:t> </a:t>
+                </a:r>
+                <a:r>
+                  <a:rPr lang="en-US" sz="1800" dirty="0" err="1" smtClean="0"/>
+                  <a:t>cập</a:t>
+                </a:r>
+                <a:r>
+                  <a:rPr lang="en-US" sz="1800" dirty="0" smtClean="0"/>
+                  <a:t> </a:t>
+                </a:r>
+                <a:r>
+                  <a:rPr lang="en-US" sz="1800" dirty="0" err="1" smtClean="0"/>
+                  <a:t>nhật</a:t>
+                </a:r>
+                <a:r>
+                  <a:rPr lang="en-US" sz="1800" dirty="0" smtClean="0"/>
+                  <a:t> </a:t>
+                </a:r>
+                <a:r>
+                  <a:rPr lang="en-US" sz="1800" dirty="0" err="1" smtClean="0"/>
+                  <a:t>tìm</a:t>
+                </a:r>
+                <a:r>
+                  <a:rPr lang="en-US" sz="1800" dirty="0" smtClean="0"/>
+                  <a:t> </a:t>
+                </a:r>
+                <a:r>
+                  <a:rPr lang="en-US" sz="1800" dirty="0" err="1" smtClean="0"/>
+                  <a:t>điểm</a:t>
+                </a:r>
+                <a:r>
+                  <a:rPr lang="en-US" sz="1800" dirty="0" smtClean="0"/>
+                  <a:t> global minimum:</a:t>
+                </a:r>
+              </a:p>
+              <a:p>
+                <a:pPr marL="0" indent="0">
+                  <a:lnSpc>
+                    <a:spcPct val="130000"/>
+                  </a:lnSpc>
+                  <a:buNone/>
+                </a:pPr>
+                <a14:m>
+                  <m:oMathPara xmlns:m="http://schemas.openxmlformats.org/officeDocument/2006/math">
+                    <m:oMathParaPr>
+                      <m:jc m:val="centerGroup"/>
+                    </m:oMathParaPr>
+                    <m:oMath xmlns:m="http://schemas.openxmlformats.org/officeDocument/2006/math">
+                      <m:sSub>
+                        <m:sSubPr>
+                          <m:ctrlPr>
+                            <a:rPr lang="en-US" sz="1800" i="1" smtClean="0">
+                              <a:latin typeface="Cambria Math" panose="02040503050406030204" pitchFamily="18" charset="0"/>
+                            </a:rPr>
+                          </m:ctrlPr>
+                        </m:sSubPr>
+                        <m:e>
+                          <m:r>
+                            <a:rPr lang="en-US" sz="1800" i="1" smtClean="0">
+                              <a:latin typeface="Cambria Math" panose="02040503050406030204" pitchFamily="18" charset="0"/>
+                              <a:ea typeface="Cambria Math" panose="02040503050406030204" pitchFamily="18" charset="0"/>
+                            </a:rPr>
+                            <m:t>𝜃</m:t>
+                          </m:r>
+                        </m:e>
+                        <m:sub>
+                          <m:r>
+                            <a:rPr lang="en-US" sz="1800" b="0" i="1" smtClean="0">
+                              <a:latin typeface="Cambria Math" panose="02040503050406030204" pitchFamily="18" charset="0"/>
+                            </a:rPr>
+                            <m:t>𝑡</m:t>
+                          </m:r>
+                          <m:r>
+                            <a:rPr lang="en-US" sz="1800" b="0" i="1" smtClean="0">
+                              <a:latin typeface="Cambria Math" panose="02040503050406030204" pitchFamily="18" charset="0"/>
+                            </a:rPr>
+                            <m:t>+1</m:t>
+                          </m:r>
+                        </m:sub>
+                      </m:sSub>
+                      <m:r>
+                        <a:rPr lang="en-US" sz="1800" b="0" i="1" smtClean="0">
+                          <a:latin typeface="Cambria Math" panose="02040503050406030204" pitchFamily="18" charset="0"/>
+                        </a:rPr>
+                        <m:t>= </m:t>
+                      </m:r>
+                      <m:sSub>
+                        <m:sSubPr>
+                          <m:ctrlPr>
+                            <a:rPr lang="en-US" sz="1800" b="0" i="1" smtClean="0">
+                              <a:latin typeface="Cambria Math" panose="02040503050406030204" pitchFamily="18" charset="0"/>
+                            </a:rPr>
+                          </m:ctrlPr>
+                        </m:sSubPr>
+                        <m:e>
+                          <m:r>
+                            <a:rPr lang="en-US" sz="1800" b="0" i="1" smtClean="0">
+                              <a:latin typeface="Cambria Math" panose="02040503050406030204" pitchFamily="18" charset="0"/>
+                              <a:ea typeface="Cambria Math" panose="02040503050406030204" pitchFamily="18" charset="0"/>
+                            </a:rPr>
+                            <m:t>𝜃</m:t>
+                          </m:r>
+                        </m:e>
+                        <m:sub>
+                          <m:r>
+                            <a:rPr lang="en-US" sz="1800" b="0" i="1" smtClean="0">
+                              <a:latin typeface="Cambria Math" panose="02040503050406030204" pitchFamily="18" charset="0"/>
+                            </a:rPr>
+                            <m:t>𝑡</m:t>
+                          </m:r>
+                        </m:sub>
+                      </m:sSub>
+                      <m:r>
+                        <a:rPr lang="en-US" sz="1800" b="0" i="1" smtClean="0">
+                          <a:latin typeface="Cambria Math" panose="02040503050406030204" pitchFamily="18" charset="0"/>
+                        </a:rPr>
+                        <m:t>−</m:t>
+                      </m:r>
+                      <m:r>
+                        <a:rPr lang="en-US" sz="1800" i="1" dirty="0" smtClean="0">
+                          <a:latin typeface="Cambria Math" panose="02040503050406030204" pitchFamily="18" charset="0"/>
+                        </a:rPr>
+                        <m:t>𝜂</m:t>
+                      </m:r>
+                      <m:sSub>
+                        <m:sSubPr>
+                          <m:ctrlPr>
+                            <a:rPr lang="en-US" sz="1800" i="1" dirty="0" smtClean="0">
+                              <a:latin typeface="Cambria Math" panose="02040503050406030204" pitchFamily="18" charset="0"/>
+                            </a:rPr>
+                          </m:ctrlPr>
+                        </m:sSubPr>
+                        <m:e>
+                          <m:r>
+                            <a:rPr lang="en-US" sz="1800" i="1" dirty="0" smtClean="0">
+                              <a:latin typeface="Cambria Math" panose="02040503050406030204" pitchFamily="18" charset="0"/>
+                              <a:ea typeface="Cambria Math" panose="02040503050406030204" pitchFamily="18" charset="0"/>
+                            </a:rPr>
+                            <m:t>∇</m:t>
+                          </m:r>
+                        </m:e>
+                        <m:sub>
+                          <m:r>
+                            <a:rPr lang="en-US" sz="1800" i="1" dirty="0" smtClean="0">
+                              <a:latin typeface="Cambria Math" panose="02040503050406030204" pitchFamily="18" charset="0"/>
+                              <a:ea typeface="Cambria Math" panose="02040503050406030204" pitchFamily="18" charset="0"/>
+                            </a:rPr>
+                            <m:t>𝜃</m:t>
+                          </m:r>
+                        </m:sub>
+                      </m:sSub>
+                      <m:r>
+                        <a:rPr lang="en-US" sz="1800" b="0" i="1" dirty="0" smtClean="0">
+                          <a:latin typeface="Cambria Math" panose="02040503050406030204" pitchFamily="18" charset="0"/>
+                        </a:rPr>
+                        <m:t>𝑓</m:t>
+                      </m:r>
+                      <m:r>
+                        <a:rPr lang="en-US" sz="1800" b="0" i="1" dirty="0" smtClean="0">
+                          <a:latin typeface="Cambria Math" panose="02040503050406030204" pitchFamily="18" charset="0"/>
+                        </a:rPr>
+                        <m:t>(</m:t>
+                      </m:r>
+                      <m:sSub>
+                        <m:sSubPr>
+                          <m:ctrlPr>
+                            <a:rPr lang="en-US" sz="1800" b="0" i="1" dirty="0" smtClean="0">
+                              <a:latin typeface="Cambria Math" panose="02040503050406030204" pitchFamily="18" charset="0"/>
+                            </a:rPr>
+                          </m:ctrlPr>
+                        </m:sSubPr>
+                        <m:e>
+                          <m:r>
+                            <a:rPr lang="en-US" sz="1800" b="0" i="1" dirty="0" smtClean="0">
+                              <a:latin typeface="Cambria Math" panose="02040503050406030204" pitchFamily="18" charset="0"/>
+                              <a:ea typeface="Cambria Math" panose="02040503050406030204" pitchFamily="18" charset="0"/>
+                            </a:rPr>
+                            <m:t>𝜃</m:t>
+                          </m:r>
+                        </m:e>
+                        <m:sub>
+                          <m:r>
+                            <a:rPr lang="en-US" sz="1800" b="0" i="1" dirty="0" smtClean="0">
+                              <a:latin typeface="Cambria Math" panose="02040503050406030204" pitchFamily="18" charset="0"/>
+                            </a:rPr>
+                            <m:t>𝑡</m:t>
+                          </m:r>
+                        </m:sub>
+                      </m:sSub>
+                      <m:r>
+                        <a:rPr lang="en-US" sz="1800" b="0" i="1" dirty="0" smtClean="0">
+                          <a:latin typeface="Cambria Math" panose="02040503050406030204" pitchFamily="18" charset="0"/>
+                        </a:rPr>
+                        <m:t>)</m:t>
+                      </m:r>
+                    </m:oMath>
+                  </m:oMathPara>
+                </a14:m>
+                <a:endParaRPr lang="en-US" sz="1400" dirty="0" smtClean="0"/>
+              </a:p>
+              <a:p>
+                <a:pPr marL="0" indent="0">
+                  <a:lnSpc>
+                    <a:spcPct val="130000"/>
+                  </a:lnSpc>
+                  <a:buNone/>
+                </a:pPr>
+                <a:endParaRPr lang="en-US" sz="1800" dirty="0"/>
+              </a:p>
+            </p:txBody>
+          </p:sp>
+        </mc:Choice>
+        <mc:Fallback>
+          <p:sp>
+            <p:nvSpPr>
+              <p:cNvPr id="3" name="Content Placeholder 2"/>
+              <p:cNvSpPr>
+                <a:spLocks noGrp="1" noRot="1" noChangeAspect="1" noMove="1" noResize="1" noEditPoints="1" noAdjustHandles="1" noChangeArrowheads="1" noChangeShapeType="1" noTextEdit="1"/>
+              </p:cNvSpPr>
+              <p:nvPr>
+                <p:ph idx="1"/>
+              </p:nvPr>
+            </p:nvSpPr>
+            <p:spPr>
+              <a:blipFill>
+                <a:blip r:embed="rId2"/>
+                <a:stretch>
+                  <a:fillRect l="-382"/>
+                </a:stretch>
+              </a:blipFill>
+            </p:spPr>
+            <p:txBody>
+              <a:bodyPr/>
+              <a:lstStyle/>
+              <a:p>
+                <a:r>
+                  <a:rPr lang="en-US">
+                    <a:noFill/>
+                  </a:rPr>
+                  <a:t> </a:t>
+                </a:r>
+              </a:p>
+            </p:txBody>
+          </p:sp>
+        </mc:Fallback>
+      </mc:AlternateContent>
+      <p:sp>
+        <p:nvSpPr>
+          <p:cNvPr id="4" name="TextBox 3"/>
+          <p:cNvSpPr txBox="1"/>
+          <p:nvPr/>
+        </p:nvSpPr>
+        <p:spPr>
+          <a:xfrm>
+            <a:off x="186907" y="223863"/>
+            <a:ext cx="754202" cy="646331"/>
+          </a:xfrm>
+          <a:prstGeom prst="rect">
+            <a:avLst/>
+          </a:prstGeom>
+          <a:noFill/>
+        </p:spPr>
+        <p:txBody>
+          <a:bodyPr wrap="square" rtlCol="0">
+            <a:spAutoFit/>
+          </a:bodyPr>
+          <a:lstStyle/>
+          <a:p>
+            <a:pPr algn="ctr"/>
+            <a:r>
+              <a:rPr lang="en-US" sz="3600" dirty="0" smtClean="0">
+                <a:solidFill>
+                  <a:schemeClr val="bg1"/>
+                </a:solidFill>
+              </a:rPr>
+              <a:t>3</a:t>
+            </a:r>
+            <a:endParaRPr lang="en-US" sz="3600" dirty="0">
+              <a:solidFill>
+                <a:schemeClr val="bg1"/>
+              </a:solidFill>
+            </a:endParaRPr>
+          </a:p>
+        </p:txBody>
+      </p:sp>
+      <p:sp>
+        <p:nvSpPr>
+          <p:cNvPr id="5" name="Slide Number Placeholder 4"/>
+          <p:cNvSpPr>
+            <a:spLocks noGrp="1"/>
+          </p:cNvSpPr>
+          <p:nvPr>
+            <p:ph type="sldNum" sz="quarter" idx="12"/>
+          </p:nvPr>
+        </p:nvSpPr>
+        <p:spPr/>
+        <p:txBody>
+          <a:bodyPr/>
+          <a:lstStyle/>
+          <a:p>
+            <a:fld id="{5BAAF117-EA4C-4DDF-834D-1C32FEAF0131}" type="slidenum">
+              <a:rPr lang="en-US" smtClean="0"/>
+              <a:t>4</a:t>
+            </a:fld>
+            <a:endParaRPr lang="en-US"/>
+          </a:p>
+        </p:txBody>
+      </p:sp>
+    </p:spTree>
+    <p:extLst>
+      <p:ext uri="{BB962C8B-B14F-4D97-AF65-F5344CB8AC3E}">
+        <p14:creationId xmlns:p14="http://schemas.microsoft.com/office/powerpoint/2010/main" val="1380740941"/>
+      </p:ext>
+    </p:extLst>
+  </p:cSld>
+  <p:clrMapOvr>
+    <a:masterClrMapping/>
+  </p:clrMapOvr>
+  <p:timing>
+    <p:tnLst>
+      <p:par>
+        <p:cTn id="1" dur="indefinite" restart="never" nodeType="tmRoot"/>
+      </p:par>
+    </p:tnLst>
+  </p:timing>
+</p:sld>
+</file>
+
+<file path=ppt/slides/slide5.xml><?xml version="1.0" encoding="utf-8"?>
+<p:sld xmlns:a="http://schemas.openxmlformats.org/drawingml/2006/main" xmlns:r="http://schemas.openxmlformats.org/officeDocument/2006/relationships" xmlns:p="http://schemas.openxmlformats.org/presentationml/2006/main">
+  <p:cSld>
+    <p:spTree>
+      <p:nvGrpSpPr>
+        <p:cNvPr id="1" name=""/>
+        <p:cNvGrpSpPr/>
+        <p:nvPr/>
+      </p:nvGrpSpPr>
+      <p:grpSpPr>
+        <a:xfrm>
+          <a:off x="0" y="0"/>
+          <a:ext cx="0" cy="0"/>
+          <a:chOff x="0" y="0"/>
+          <a:chExt cx="0" cy="0"/>
+        </a:xfrm>
+      </p:grpSpPr>
+      <p:sp>
+        <p:nvSpPr>
+          <p:cNvPr id="2" name="Title 1"/>
+          <p:cNvSpPr>
+            <a:spLocks noGrp="1"/>
+          </p:cNvSpPr>
+          <p:nvPr>
+            <p:ph type="title"/>
+          </p:nvPr>
+        </p:nvSpPr>
+        <p:spPr/>
+        <p:txBody>
+          <a:bodyPr/>
+          <a:lstStyle/>
+          <a:p>
+            <a:r>
+              <a:rPr lang="en-US" dirty="0" smtClean="0"/>
               <a:t>Gradient Descent </a:t>
             </a:r>
             <a:br>
@@ -8794,7 +9459,7 @@
               <a:blipFill>
                 <a:blip r:embed="rId2"/>
                 <a:stretch>
-                  <a:fillRect l="-382" t="-1327"/>
+                  <a:fillRect l="-382"/>
                 </a:stretch>
               </a:blipFill>
             </p:spPr>
@@ -8842,8 +9507,13 @@
                   <a:schemeClr val="bg1"/>
                 </a:solidFill>
               </a:rPr>
-              <a:t>2</a:t>
-            </a:r>
+              <a:t>4</a:t>
+            </a:r>
+            <a:endParaRPr lang="en-US" sz="3600" dirty="0">
+              <a:solidFill>
+                <a:schemeClr val="bg1"/>
+              </a:solidFill>
+            </a:endParaRPr>
           </a:p>
         </p:txBody>
       </p:sp>
@@ -9193,7 +9863,7 @@
           <a:p>
             <a:fld id="{5BAAF117-EA4C-4DDF-834D-1C32FEAF0131}" type="slidenum">
               <a:rPr lang="en-US" smtClean="0"/>
-              <a:t>4</a:t>
+              <a:t>5</a:t>
             </a:fld>
             <a:endParaRPr lang="en-US"/>
           </a:p>
@@ -9203,166 +9873,6 @@
     <p:extLst>
       <p:ext uri="{BB962C8B-B14F-4D97-AF65-F5344CB8AC3E}">
         <p14:creationId xmlns:p14="http://schemas.microsoft.com/office/powerpoint/2010/main" val="3703479887"/>
-      </p:ext>
-    </p:extLst>
-  </p:cSld>
-  <p:clrMapOvr>
-    <a:masterClrMapping/>
-  </p:clrMapOvr>
-  <p:timing>
-    <p:tnLst>
-      <p:par>
-        <p:cTn id="1" dur="indefinite" restart="never" nodeType="tmRoot"/>
-      </p:par>
-    </p:tnLst>
-  </p:timing>
-</p:sld>
-</file>
-
-<file path=ppt/slides/slide5.xml><?xml version="1.0" encoding="utf-8"?>
-<p:sld xmlns:a="http://schemas.openxmlformats.org/drawingml/2006/main" xmlns:r="http://schemas.openxmlformats.org/officeDocument/2006/relationships" xmlns:p="http://schemas.openxmlformats.org/presentationml/2006/main">
-  <p:cSld>
-    <p:spTree>
-      <p:nvGrpSpPr>
-        <p:cNvPr id="1" name=""/>
-        <p:cNvGrpSpPr/>
-        <p:nvPr/>
-      </p:nvGrpSpPr>
-      <p:grpSpPr>
-        <a:xfrm>
-          <a:off x="0" y="0"/>
-          <a:ext cx="0" cy="0"/>
-          <a:chOff x="0" y="0"/>
-          <a:chExt cx="0" cy="0"/>
-        </a:xfrm>
-      </p:grpSpPr>
-      <p:sp>
-        <p:nvSpPr>
-          <p:cNvPr id="2" name="Title 1"/>
-          <p:cNvSpPr>
-            <a:spLocks noGrp="1"/>
-          </p:cNvSpPr>
-          <p:nvPr>
-            <p:ph type="title"/>
-          </p:nvPr>
-        </p:nvSpPr>
-        <p:spPr/>
-        <p:txBody>
-          <a:bodyPr/>
-          <a:lstStyle/>
-          <a:p>
-            <a:r>
-              <a:rPr lang="en-US" dirty="0" smtClean="0"/>
-              <a:t>Gradient Descent </a:t>
-            </a:r>
-            <a:br>
-              <a:rPr lang="en-US" dirty="0" smtClean="0"/>
-            </a:br>
-            <a:r>
-              <a:rPr lang="en-US" sz="1600" dirty="0" err="1" smtClean="0"/>
-              <a:t>Tối</a:t>
-            </a:r>
-            <a:r>
-              <a:rPr lang="en-US" sz="1600" dirty="0" smtClean="0"/>
-              <a:t> </a:t>
-            </a:r>
-            <a:r>
-              <a:rPr lang="en-US" sz="1600" dirty="0" err="1" smtClean="0"/>
-              <a:t>ưu</a:t>
-            </a:r>
-            <a:r>
-              <a:rPr lang="en-US" sz="1600" dirty="0" smtClean="0"/>
-              <a:t> Gradient Descent</a:t>
-            </a:r>
-            <a:endParaRPr lang="en-US" dirty="0"/>
-          </a:p>
-        </p:txBody>
-      </p:sp>
-      <p:sp>
-        <p:nvSpPr>
-          <p:cNvPr id="3" name="Content Placeholder 2"/>
-          <p:cNvSpPr>
-            <a:spLocks noGrp="1"/>
-          </p:cNvSpPr>
-          <p:nvPr>
-            <p:ph idx="1"/>
-          </p:nvPr>
-        </p:nvSpPr>
-        <p:spPr/>
-        <p:txBody>
-          <a:bodyPr>
-            <a:normAutofit/>
-          </a:bodyPr>
-          <a:lstStyle/>
-          <a:p>
-            <a:pPr marL="0" lvl="1" indent="0">
-              <a:buNone/>
-            </a:pPr>
-            <a:endParaRPr lang="en-US" sz="1200" dirty="0" smtClean="0"/>
-          </a:p>
-        </p:txBody>
-      </p:sp>
-      <p:sp>
-        <p:nvSpPr>
-          <p:cNvPr id="4" name="TextBox 3"/>
-          <p:cNvSpPr txBox="1"/>
-          <p:nvPr/>
-        </p:nvSpPr>
-        <p:spPr>
-          <a:xfrm>
-            <a:off x="186907" y="223863"/>
-            <a:ext cx="754202" cy="646331"/>
-          </a:xfrm>
-          <a:prstGeom prst="rect">
-            <a:avLst/>
-          </a:prstGeom>
-          <a:noFill/>
-        </p:spPr>
-        <p:txBody>
-          <a:bodyPr wrap="square" rtlCol="0">
-            <a:spAutoFit/>
-          </a:bodyPr>
-          <a:lstStyle/>
-          <a:p>
-            <a:pPr algn="ctr"/>
-            <a:r>
-              <a:rPr lang="en-US" sz="3600" dirty="0">
-                <a:solidFill>
-                  <a:schemeClr val="bg1"/>
-                </a:solidFill>
-              </a:rPr>
-              <a:t>2</a:t>
-            </a:r>
-          </a:p>
-        </p:txBody>
-      </p:sp>
-      <p:sp>
-        <p:nvSpPr>
-          <p:cNvPr id="9" name="Slide Number Placeholder 8"/>
-          <p:cNvSpPr>
-            <a:spLocks noGrp="1"/>
-          </p:cNvSpPr>
-          <p:nvPr>
-            <p:ph type="sldNum" sz="quarter" idx="12"/>
-          </p:nvPr>
-        </p:nvSpPr>
-        <p:spPr/>
-        <p:txBody>
-          <a:bodyPr/>
-          <a:lstStyle/>
-          <a:p>
-            <a:fld id="{5BAAF117-EA4C-4DDF-834D-1C32FEAF0131}" type="slidenum">
-              <a:rPr lang="en-US" smtClean="0"/>
-              <a:t>5</a:t>
-            </a:fld>
-            <a:endParaRPr lang="en-US"/>
-          </a:p>
-        </p:txBody>
-      </p:sp>
-    </p:spTree>
-    <p:extLst>
-      <p:ext uri="{BB962C8B-B14F-4D97-AF65-F5344CB8AC3E}">
-        <p14:creationId xmlns:p14="http://schemas.microsoft.com/office/powerpoint/2010/main" val="859322035"/>
       </p:ext>
     </p:extLst>
   </p:cSld>
@@ -9413,18 +9923,14 @@
           <a:p>
             <a:r>
               <a:rPr lang="en-US" dirty="0" smtClean="0"/>
-              <a:t>Gradient Descent</a:t>
+              <a:t>Gradient Descent </a:t>
             </a:r>
             <a:br>
               <a:rPr lang="en-US" dirty="0" smtClean="0"/>
             </a:br>
             <a:r>
-              <a:rPr lang="en-US" sz="1600" dirty="0" smtClean="0"/>
-              <a:t>Gradient Descent </a:t>
-            </a:r>
-            <a:r>
               <a:rPr lang="en-US" sz="1600" dirty="0" err="1" smtClean="0"/>
-              <a:t>cho</a:t>
+              <a:t>Tối</a:t>
             </a:r>
             <a:r>
               <a:rPr lang="en-US" sz="1600" dirty="0" smtClean="0"/>
@@ -9432,17 +9938,13 @@
             </a:r>
             <a:r>
               <a:rPr lang="en-US" sz="1600" dirty="0" err="1" smtClean="0"/>
-              <a:t>nhiều</a:t>
+              <a:t>ưu</a:t>
             </a:r>
             <a:r>
               <a:rPr lang="en-US" sz="1600" dirty="0" smtClean="0"/>
-              <a:t> </a:t>
-            </a:r>
-            <a:r>
-              <a:rPr lang="en-US" sz="1600" dirty="0" err="1" smtClean="0"/>
-              <a:t>biến</a:t>
-            </a:r>
-            <a:endParaRPr lang="en-US" sz="2400" dirty="0"/>
+              <a:t> Gradient Descent</a:t>
+            </a:r>
+            <a:endParaRPr lang="en-US" dirty="0"/>
           </a:p>
         </p:txBody>
       </p:sp>
@@ -9458,10 +9960,15 @@
         </p:nvSpPr>
         <p:spPr/>
         <p:txBody>
-          <a:bodyPr/>
+          <a:bodyPr>
+            <a:normAutofit/>
+          </a:bodyPr>
           <a:lstStyle/>
           <a:p>
-            <a:endParaRPr lang="en-US" dirty="0"/>
+            <a:pPr marL="0" lvl="1" indent="0">
+              <a:buNone/>
+            </a:pPr>
+            <a:endParaRPr lang="en-US" sz="1200" dirty="0" smtClean="0"/>
           </a:p>
         </p:txBody>
       </p:sp>
@@ -9489,12 +9996,12 @@
           <a:p>
             <a:pPr algn="ctr"/>
             <a:r>
-              <a:rPr lang="en-US" sz="3600" dirty="0" smtClean="0">
+              <a:rPr lang="en-US" sz="3600" dirty="0">
                 <a:solidFill>
                   <a:schemeClr val="bg1"/>
                 </a:solidFill>
               </a:rPr>
-              <a:t>3</a:t>
+              <a:t>4</a:t>
             </a:r>
             <a:endParaRPr lang="en-US" sz="3600" dirty="0">
               <a:solidFill>
@@ -9506,7 +10013,7 @@
       </p:sp>
       <p:sp>
         <p:nvSpPr>
-          <p:cNvPr id="5" name="Slide Number Placeholder 4"/>
+          <p:cNvPr id="9" name="Slide Number Placeholder 8"/>
           <p:cNvSpPr>
             <a:spLocks noGrp="1"/>
           </p:cNvSpPr>
@@ -9530,7 +10037,7 @@
     </p:spTree>
     <p:extLst>
       <p:ext uri="{BB962C8B-B14F-4D97-AF65-F5344CB8AC3E}">
-        <p14:creationId xmlns:p14="http://schemas.microsoft.com/office/powerpoint/2010/main" val="1380740941"/>
+        <p14:creationId xmlns:p14="http://schemas.microsoft.com/office/powerpoint/2010/main" val="859322035"/>
       </p:ext>
     </p:extLst>
   </p:cSld>

--- a/Gradient Descent/Gradient Descent.pptx
+++ b/Gradient Descent/Gradient Descent.pptx
@@ -202,7 +202,7 @@
           <a:p>
             <a:fld id="{00CEBC49-C236-4202-9B5B-6B6D4A75860F}" type="datetimeFigureOut">
               <a:rPr lang="en-US" smtClean="0"/>
-              <a:t>3/4/2022</a:t>
+              <a:t>3/5/2022</a:t>
             </a:fld>
             <a:endParaRPr lang="en-US"/>
           </a:p>
@@ -605,7 +605,7 @@
           <a:p>
             <a:fld id="{935A21C4-51AB-496B-A046-E18C5BF8E883}" type="datetime1">
               <a:rPr lang="en-US" smtClean="0"/>
-              <a:t>3/4/2022</a:t>
+              <a:t>3/5/2022</a:t>
             </a:fld>
             <a:endParaRPr lang="en-US"/>
           </a:p>
@@ -893,7 +893,7 @@
           <a:p>
             <a:fld id="{E72A4EC7-74AF-419A-9020-631D627E4499}" type="datetime1">
               <a:rPr lang="en-US" smtClean="0"/>
-              <a:t>3/4/2022</a:t>
+              <a:t>3/5/2022</a:t>
             </a:fld>
             <a:endParaRPr lang="en-US"/>
           </a:p>
@@ -1073,7 +1073,7 @@
           <a:p>
             <a:fld id="{7CAAA9DD-8BC0-4999-B72D-315D4AC8F29C}" type="datetime1">
               <a:rPr lang="en-US" smtClean="0"/>
-              <a:t>3/4/2022</a:t>
+              <a:t>3/5/2022</a:t>
             </a:fld>
             <a:endParaRPr lang="en-US"/>
           </a:p>
@@ -1304,7 +1304,7 @@
           <a:p>
             <a:fld id="{FF844BC6-676C-49E2-BDB5-CE0DE4608AC2}" type="datetime1">
               <a:rPr lang="en-US" smtClean="0"/>
-              <a:t>3/4/2022</a:t>
+              <a:t>3/5/2022</a:t>
             </a:fld>
             <a:endParaRPr lang="en-US"/>
           </a:p>
@@ -1614,7 +1614,7 @@
           <a:p>
             <a:fld id="{38EBDBFE-540A-42F2-86D1-F10989800303}" type="datetime1">
               <a:rPr lang="en-US" smtClean="0"/>
-              <a:t>3/4/2022</a:t>
+              <a:t>3/5/2022</a:t>
             </a:fld>
             <a:endParaRPr lang="en-US"/>
           </a:p>
@@ -1859,7 +1859,7 @@
           <a:p>
             <a:fld id="{E256DE8F-C7B0-4060-A518-897CCF54107B}" type="datetime1">
               <a:rPr lang="en-US" smtClean="0"/>
-              <a:t>3/4/2022</a:t>
+              <a:t>3/5/2022</a:t>
             </a:fld>
             <a:endParaRPr lang="en-US"/>
           </a:p>
@@ -2233,7 +2233,7 @@
           <a:p>
             <a:fld id="{3C382A1F-4032-43D1-BD10-77E052CF27F5}" type="datetime1">
               <a:rPr lang="en-US" smtClean="0"/>
-              <a:t>3/4/2022</a:t>
+              <a:t>3/5/2022</a:t>
             </a:fld>
             <a:endParaRPr lang="en-US"/>
           </a:p>
@@ -2358,7 +2358,7 @@
           <a:p>
             <a:fld id="{1CB73BAB-CD64-4C6A-BCE5-D9090BFDB7C6}" type="datetime1">
               <a:rPr lang="en-US" smtClean="0"/>
-              <a:t>3/4/2022</a:t>
+              <a:t>3/5/2022</a:t>
             </a:fld>
             <a:endParaRPr lang="en-US"/>
           </a:p>
@@ -2460,7 +2460,7 @@
           <a:p>
             <a:fld id="{677D7CF7-D283-4BF6-935D-CE9E9A7EE348}" type="datetime1">
               <a:rPr lang="en-US" smtClean="0"/>
-              <a:t>3/4/2022</a:t>
+              <a:t>3/5/2022</a:t>
             </a:fld>
             <a:endParaRPr lang="en-US"/>
           </a:p>
@@ -2744,7 +2744,7 @@
           <a:p>
             <a:fld id="{BC825614-AC55-46C2-BF6E-FD24F0AAF974}" type="datetime1">
               <a:rPr lang="en-US" smtClean="0"/>
-              <a:t>3/4/2022</a:t>
+              <a:t>3/5/2022</a:t>
             </a:fld>
             <a:endParaRPr lang="en-US"/>
           </a:p>
@@ -2997,7 +2997,7 @@
           <a:p>
             <a:fld id="{4A8FC662-AA08-4B9A-83D0-BB2961D73107}" type="datetime1">
               <a:rPr lang="en-US" smtClean="0"/>
-              <a:t>3/4/2022</a:t>
+              <a:t>3/5/2022</a:t>
             </a:fld>
             <a:endParaRPr lang="en-US"/>
           </a:p>
@@ -3210,7 +3210,7 @@
           <a:p>
             <a:fld id="{B1F2204A-5419-4B55-8721-AD73E7233CEF}" type="datetime1">
               <a:rPr lang="en-US" smtClean="0"/>
-              <a:t>3/4/2022</a:t>
+              <a:t>3/5/2022</a:t>
             </a:fld>
             <a:endParaRPr lang="en-US"/>
           </a:p>
@@ -7799,8 +7799,8 @@
           </a:p>
         </p:txBody>
       </p:sp>
-      <mc:AlternateContent xmlns:mc="http://schemas.openxmlformats.org/markup-compatibility/2006">
-        <mc:Choice xmlns:a14="http://schemas.microsoft.com/office/drawing/2010/main" Requires="a14">
+      <mc:AlternateContent xmlns:mc="http://schemas.openxmlformats.org/markup-compatibility/2006" xmlns:a14="http://schemas.microsoft.com/office/drawing/2010/main">
+        <mc:Choice Requires="a14">
           <p:sp>
             <p:nvSpPr>
               <p:cNvPr id="3" name="Content Placeholder 2"/>
@@ -8204,7 +8204,7 @@
                               <a:latin typeface="Cambria Math" panose="02040503050406030204" pitchFamily="18" charset="0"/>
                               <a:ea typeface="Cambria Math" panose="02040503050406030204" pitchFamily="18" charset="0"/>
                             </a:rPr>
-                            <m:t>∇</m:t>
+                            <m:t>𝛻</m:t>
                           </m:r>
                         </m:e>
                         <m:sub>
@@ -8278,7 +8278,7 @@
             </p:txBody>
           </p:sp>
         </mc:Choice>
-        <mc:Fallback>
+        <mc:Fallback xmlns="">
           <p:sp>
             <p:nvSpPr>
               <p:cNvPr id="3" name="Content Placeholder 2"/>
@@ -8453,8 +8453,8 @@
           </a:p>
         </p:txBody>
       </p:sp>
-      <mc:AlternateContent xmlns:mc="http://schemas.openxmlformats.org/markup-compatibility/2006">
-        <mc:Choice xmlns:a14="http://schemas.microsoft.com/office/drawing/2010/main" Requires="a14">
+      <mc:AlternateContent xmlns:mc="http://schemas.openxmlformats.org/markup-compatibility/2006" xmlns:a14="http://schemas.microsoft.com/office/drawing/2010/main">
+        <mc:Choice Requires="a14">
           <p:sp>
             <p:nvSpPr>
               <p:cNvPr id="3" name="Content Placeholder 2"/>
@@ -9444,7 +9444,7 @@
             </p:txBody>
           </p:sp>
         </mc:Choice>
-        <mc:Fallback>
+        <mc:Fallback xmlns="">
           <p:sp>
             <p:nvSpPr>
               <p:cNvPr id="3" name="Content Placeholder 2"/>
@@ -9509,11 +9509,6 @@
               </a:rPr>
               <a:t>4</a:t>
             </a:r>
-            <a:endParaRPr lang="en-US" sz="3600" dirty="0">
-              <a:solidFill>
-                <a:schemeClr val="bg1"/>
-              </a:solidFill>
-            </a:endParaRPr>
           </a:p>
         </p:txBody>
       </p:sp>
@@ -9577,8 +9572,8 @@
           </a:prstGeom>
         </p:spPr>
       </p:pic>
-      <mc:AlternateContent xmlns:mc="http://schemas.openxmlformats.org/markup-compatibility/2006">
-        <mc:Choice xmlns:a14="http://schemas.microsoft.com/office/drawing/2010/main" Requires="a14">
+      <mc:AlternateContent xmlns:mc="http://schemas.openxmlformats.org/markup-compatibility/2006" xmlns:a14="http://schemas.microsoft.com/office/drawing/2010/main">
+        <mc:Choice Requires="a14">
           <p:sp>
             <p:nvSpPr>
               <p:cNvPr id="7" name="TextBox 6"/>
@@ -9682,7 +9677,7 @@
             </p:txBody>
           </p:sp>
         </mc:Choice>
-        <mc:Fallback>
+        <mc:Fallback xmlns="">
           <p:sp>
             <p:nvSpPr>
               <p:cNvPr id="7" name="TextBox 6"/>
@@ -9721,8 +9716,8 @@
           </p:sp>
         </mc:Fallback>
       </mc:AlternateContent>
-      <mc:AlternateContent xmlns:mc="http://schemas.openxmlformats.org/markup-compatibility/2006">
-        <mc:Choice xmlns:a14="http://schemas.microsoft.com/office/drawing/2010/main" Requires="a14">
+      <mc:AlternateContent xmlns:mc="http://schemas.openxmlformats.org/markup-compatibility/2006" xmlns:a14="http://schemas.microsoft.com/office/drawing/2010/main">
+        <mc:Choice Requires="a14">
           <p:sp>
             <p:nvSpPr>
               <p:cNvPr id="8" name="TextBox 7"/>
@@ -9807,7 +9802,7 @@
             </p:txBody>
           </p:sp>
         </mc:Choice>
-        <mc:Fallback>
+        <mc:Fallback xmlns="">
           <p:sp>
             <p:nvSpPr>
               <p:cNvPr id="8" name="TextBox 7"/>
@@ -10003,11 +9998,6 @@
               </a:rPr>
               <a:t>4</a:t>
             </a:r>
-            <a:endParaRPr lang="en-US" sz="3600" dirty="0">
-              <a:solidFill>
-                <a:schemeClr val="bg1"/>
-              </a:solidFill>
-            </a:endParaRPr>
           </a:p>
         </p:txBody>
       </p:sp>

--- a/Gradient Descent/Gradient Descent.pptx
+++ b/Gradient Descent/Gradient Descent.pptx
@@ -202,7 +202,7 @@
           <a:p>
             <a:fld id="{00CEBC49-C236-4202-9B5B-6B6D4A75860F}" type="datetimeFigureOut">
               <a:rPr lang="en-US" smtClean="0"/>
-              <a:t>3/5/2022</a:t>
+              <a:t>3/6/2022</a:t>
             </a:fld>
             <a:endParaRPr lang="en-US"/>
           </a:p>
@@ -605,7 +605,7 @@
           <a:p>
             <a:fld id="{935A21C4-51AB-496B-A046-E18C5BF8E883}" type="datetime1">
               <a:rPr lang="en-US" smtClean="0"/>
-              <a:t>3/5/2022</a:t>
+              <a:t>3/6/2022</a:t>
             </a:fld>
             <a:endParaRPr lang="en-US"/>
           </a:p>
@@ -893,7 +893,7 @@
           <a:p>
             <a:fld id="{E72A4EC7-74AF-419A-9020-631D627E4499}" type="datetime1">
               <a:rPr lang="en-US" smtClean="0"/>
-              <a:t>3/5/2022</a:t>
+              <a:t>3/6/2022</a:t>
             </a:fld>
             <a:endParaRPr lang="en-US"/>
           </a:p>
@@ -1073,7 +1073,7 @@
           <a:p>
             <a:fld id="{7CAAA9DD-8BC0-4999-B72D-315D4AC8F29C}" type="datetime1">
               <a:rPr lang="en-US" smtClean="0"/>
-              <a:t>3/5/2022</a:t>
+              <a:t>3/6/2022</a:t>
             </a:fld>
             <a:endParaRPr lang="en-US"/>
           </a:p>
@@ -1304,7 +1304,7 @@
           <a:p>
             <a:fld id="{FF844BC6-676C-49E2-BDB5-CE0DE4608AC2}" type="datetime1">
               <a:rPr lang="en-US" smtClean="0"/>
-              <a:t>3/5/2022</a:t>
+              <a:t>3/6/2022</a:t>
             </a:fld>
             <a:endParaRPr lang="en-US"/>
           </a:p>
@@ -1614,7 +1614,7 @@
           <a:p>
             <a:fld id="{38EBDBFE-540A-42F2-86D1-F10989800303}" type="datetime1">
               <a:rPr lang="en-US" smtClean="0"/>
-              <a:t>3/5/2022</a:t>
+              <a:t>3/6/2022</a:t>
             </a:fld>
             <a:endParaRPr lang="en-US"/>
           </a:p>
@@ -1859,7 +1859,7 @@
           <a:p>
             <a:fld id="{E256DE8F-C7B0-4060-A518-897CCF54107B}" type="datetime1">
               <a:rPr lang="en-US" smtClean="0"/>
-              <a:t>3/5/2022</a:t>
+              <a:t>3/6/2022</a:t>
             </a:fld>
             <a:endParaRPr lang="en-US"/>
           </a:p>
@@ -2233,7 +2233,7 @@
           <a:p>
             <a:fld id="{3C382A1F-4032-43D1-BD10-77E052CF27F5}" type="datetime1">
               <a:rPr lang="en-US" smtClean="0"/>
-              <a:t>3/5/2022</a:t>
+              <a:t>3/6/2022</a:t>
             </a:fld>
             <a:endParaRPr lang="en-US"/>
           </a:p>
@@ -2358,7 +2358,7 @@
           <a:p>
             <a:fld id="{1CB73BAB-CD64-4C6A-BCE5-D9090BFDB7C6}" type="datetime1">
               <a:rPr lang="en-US" smtClean="0"/>
-              <a:t>3/5/2022</a:t>
+              <a:t>3/6/2022</a:t>
             </a:fld>
             <a:endParaRPr lang="en-US"/>
           </a:p>
@@ -2460,7 +2460,7 @@
           <a:p>
             <a:fld id="{677D7CF7-D283-4BF6-935D-CE9E9A7EE348}" type="datetime1">
               <a:rPr lang="en-US" smtClean="0"/>
-              <a:t>3/5/2022</a:t>
+              <a:t>3/6/2022</a:t>
             </a:fld>
             <a:endParaRPr lang="en-US"/>
           </a:p>
@@ -2744,7 +2744,7 @@
           <a:p>
             <a:fld id="{BC825614-AC55-46C2-BF6E-FD24F0AAF974}" type="datetime1">
               <a:rPr lang="en-US" smtClean="0"/>
-              <a:t>3/5/2022</a:t>
+              <a:t>3/6/2022</a:t>
             </a:fld>
             <a:endParaRPr lang="en-US"/>
           </a:p>
@@ -2997,7 +2997,7 @@
           <a:p>
             <a:fld id="{4A8FC662-AA08-4B9A-83D0-BB2961D73107}" type="datetime1">
               <a:rPr lang="en-US" smtClean="0"/>
-              <a:t>3/5/2022</a:t>
+              <a:t>3/6/2022</a:t>
             </a:fld>
             <a:endParaRPr lang="en-US"/>
           </a:p>
@@ -3210,7 +3210,7 @@
           <a:p>
             <a:fld id="{B1F2204A-5419-4B55-8721-AD73E7233CEF}" type="datetime1">
               <a:rPr lang="en-US" smtClean="0"/>
-              <a:t>3/5/2022</a:t>
+              <a:t>3/6/2022</a:t>
             </a:fld>
             <a:endParaRPr lang="en-US"/>
           </a:p>
@@ -7799,8 +7799,8 @@
           </a:p>
         </p:txBody>
       </p:sp>
-      <mc:AlternateContent xmlns:mc="http://schemas.openxmlformats.org/markup-compatibility/2006" xmlns:a14="http://schemas.microsoft.com/office/drawing/2010/main">
-        <mc:Choice Requires="a14">
+      <mc:AlternateContent xmlns:mc="http://schemas.openxmlformats.org/markup-compatibility/2006">
+        <mc:Choice xmlns:a14="http://schemas.microsoft.com/office/drawing/2010/main" Requires="a14">
           <p:sp>
             <p:nvSpPr>
               <p:cNvPr id="3" name="Content Placeholder 2"/>
@@ -7814,7 +7814,7 @@
             <p:spPr/>
             <p:txBody>
               <a:bodyPr>
-                <a:normAutofit/>
+                <a:normAutofit fontScale="92500" lnSpcReduction="20000"/>
               </a:bodyPr>
               <a:lstStyle/>
               <a:p>
@@ -8117,14 +8117,14 @@
                       <m:sSub>
                         <m:sSubPr>
                           <m:ctrlPr>
-                            <a:rPr lang="en-US" sz="1800" i="1" smtClean="0">
+                            <a:rPr lang="en-US" sz="1900" i="1" smtClean="0">
                               <a:latin typeface="Cambria Math" panose="02040503050406030204" pitchFamily="18" charset="0"/>
                             </a:rPr>
                           </m:ctrlPr>
                         </m:sSubPr>
                         <m:e>
                           <m:r>
-                            <a:rPr lang="en-US" sz="1800" i="1" smtClean="0">
+                            <a:rPr lang="en-US" sz="1900" i="1" smtClean="0">
                               <a:latin typeface="Cambria Math" panose="02040503050406030204" pitchFamily="18" charset="0"/>
                               <a:ea typeface="Cambria Math" panose="02040503050406030204" pitchFamily="18" charset="0"/>
                             </a:rPr>
@@ -8133,13 +8133,13 @@
                         </m:e>
                         <m:sub>
                           <m:r>
-                            <a:rPr lang="en-US" sz="1800" b="0" i="1" smtClean="0">
+                            <a:rPr lang="en-US" sz="1900" b="0" i="1" smtClean="0">
                               <a:latin typeface="Cambria Math" panose="02040503050406030204" pitchFamily="18" charset="0"/>
                             </a:rPr>
                             <m:t>𝑡</m:t>
                           </m:r>
                           <m:r>
-                            <a:rPr lang="en-US" sz="1800" b="0" i="1" smtClean="0">
+                            <a:rPr lang="en-US" sz="1900" b="0" i="1" smtClean="0">
                               <a:latin typeface="Cambria Math" panose="02040503050406030204" pitchFamily="18" charset="0"/>
                             </a:rPr>
                             <m:t>+1</m:t>
@@ -8147,7 +8147,7 @@
                         </m:sub>
                       </m:sSub>
                       <m:r>
-                        <a:rPr lang="en-US" sz="1800" b="0" i="1" smtClean="0">
+                        <a:rPr lang="en-US" sz="1900" b="0" i="1" smtClean="0">
                           <a:latin typeface="Cambria Math" panose="02040503050406030204" pitchFamily="18" charset="0"/>
                         </a:rPr>
                         <m:t>= </m:t>
@@ -8155,14 +8155,14 @@
                       <m:sSub>
                         <m:sSubPr>
                           <m:ctrlPr>
-                            <a:rPr lang="en-US" sz="1800" b="0" i="1" smtClean="0">
+                            <a:rPr lang="en-US" sz="1900" b="0" i="1" smtClean="0">
                               <a:latin typeface="Cambria Math" panose="02040503050406030204" pitchFamily="18" charset="0"/>
                             </a:rPr>
                           </m:ctrlPr>
                         </m:sSubPr>
                         <m:e>
                           <m:r>
-                            <a:rPr lang="en-US" sz="1800" b="0" i="1" smtClean="0">
+                            <a:rPr lang="en-US" sz="1900" b="0" i="1" smtClean="0">
                               <a:latin typeface="Cambria Math" panose="02040503050406030204" pitchFamily="18" charset="0"/>
                               <a:ea typeface="Cambria Math" panose="02040503050406030204" pitchFamily="18" charset="0"/>
                             </a:rPr>
@@ -8171,7 +8171,7 @@
                         </m:e>
                         <m:sub>
                           <m:r>
-                            <a:rPr lang="en-US" sz="1800" b="0" i="1" smtClean="0">
+                            <a:rPr lang="en-US" sz="1900" b="0" i="1" smtClean="0">
                               <a:latin typeface="Cambria Math" panose="02040503050406030204" pitchFamily="18" charset="0"/>
                             </a:rPr>
                             <m:t>𝑡</m:t>
@@ -8179,13 +8179,13 @@
                         </m:sub>
                       </m:sSub>
                       <m:r>
-                        <a:rPr lang="en-US" sz="1800" b="0" i="1" smtClean="0">
+                        <a:rPr lang="en-US" sz="1900" b="0" i="1" smtClean="0">
                           <a:latin typeface="Cambria Math" panose="02040503050406030204" pitchFamily="18" charset="0"/>
                         </a:rPr>
                         <m:t>−</m:t>
                       </m:r>
                       <m:r>
-                        <a:rPr lang="en-US" sz="1800" i="1" dirty="0" smtClean="0">
+                        <a:rPr lang="en-US" sz="1900" i="1" dirty="0" smtClean="0">
                           <a:latin typeface="Cambria Math" panose="02040503050406030204" pitchFamily="18" charset="0"/>
                         </a:rPr>
                         <m:t>𝜂</m:t>
@@ -8193,14 +8193,14 @@
                       <m:sSub>
                         <m:sSubPr>
                           <m:ctrlPr>
-                            <a:rPr lang="en-US" sz="1800" i="1" dirty="0" smtClean="0">
+                            <a:rPr lang="en-US" sz="1900" i="1" dirty="0" smtClean="0">
                               <a:latin typeface="Cambria Math" panose="02040503050406030204" pitchFamily="18" charset="0"/>
                             </a:rPr>
                           </m:ctrlPr>
                         </m:sSubPr>
                         <m:e>
                           <m:r>
-                            <a:rPr lang="en-US" sz="1800" i="1" dirty="0" smtClean="0">
+                            <a:rPr lang="en-US" sz="1900" i="1" dirty="0" smtClean="0">
                               <a:latin typeface="Cambria Math" panose="02040503050406030204" pitchFamily="18" charset="0"/>
                               <a:ea typeface="Cambria Math" panose="02040503050406030204" pitchFamily="18" charset="0"/>
                             </a:rPr>
@@ -8209,7 +8209,7 @@
                         </m:e>
                         <m:sub>
                           <m:r>
-                            <a:rPr lang="en-US" sz="1800" i="1" dirty="0" smtClean="0">
+                            <a:rPr lang="en-US" sz="1900" i="1" dirty="0" smtClean="0">
                               <a:latin typeface="Cambria Math" panose="02040503050406030204" pitchFamily="18" charset="0"/>
                               <a:ea typeface="Cambria Math" panose="02040503050406030204" pitchFamily="18" charset="0"/>
                             </a:rPr>
@@ -8218,13 +8218,13 @@
                         </m:sub>
                       </m:sSub>
                       <m:r>
-                        <a:rPr lang="en-US" sz="1800" b="0" i="1" dirty="0" smtClean="0">
+                        <a:rPr lang="en-US" sz="1900" b="0" i="1" dirty="0" smtClean="0">
                           <a:latin typeface="Cambria Math" panose="02040503050406030204" pitchFamily="18" charset="0"/>
                         </a:rPr>
                         <m:t>𝑓</m:t>
                       </m:r>
                       <m:r>
-                        <a:rPr lang="en-US" sz="1800" b="0" i="1" dirty="0" smtClean="0">
+                        <a:rPr lang="en-US" sz="1900" b="0" i="1" dirty="0" smtClean="0">
                           <a:latin typeface="Cambria Math" panose="02040503050406030204" pitchFamily="18" charset="0"/>
                         </a:rPr>
                         <m:t>(</m:t>
@@ -8232,14 +8232,14 @@
                       <m:sSub>
                         <m:sSubPr>
                           <m:ctrlPr>
-                            <a:rPr lang="en-US" sz="1800" b="0" i="1" dirty="0" smtClean="0">
+                            <a:rPr lang="en-US" sz="1900" b="0" i="1" dirty="0" smtClean="0">
                               <a:latin typeface="Cambria Math" panose="02040503050406030204" pitchFamily="18" charset="0"/>
                             </a:rPr>
                           </m:ctrlPr>
                         </m:sSubPr>
                         <m:e>
                           <m:r>
-                            <a:rPr lang="en-US" sz="1800" b="0" i="1" dirty="0" smtClean="0">
+                            <a:rPr lang="en-US" sz="1900" b="0" i="1" dirty="0" smtClean="0">
                               <a:latin typeface="Cambria Math" panose="02040503050406030204" pitchFamily="18" charset="0"/>
                               <a:ea typeface="Cambria Math" panose="02040503050406030204" pitchFamily="18" charset="0"/>
                             </a:rPr>
@@ -8248,7 +8248,7 @@
                         </m:e>
                         <m:sub>
                           <m:r>
-                            <a:rPr lang="en-US" sz="1800" b="0" i="1" dirty="0" smtClean="0">
+                            <a:rPr lang="en-US" sz="1900" b="0" i="1" dirty="0" smtClean="0">
                               <a:latin typeface="Cambria Math" panose="02040503050406030204" pitchFamily="18" charset="0"/>
                             </a:rPr>
                             <m:t>𝑡</m:t>
@@ -8256,7 +8256,7 @@
                         </m:sub>
                       </m:sSub>
                       <m:r>
-                        <a:rPr lang="en-US" sz="1800" b="0" i="1" dirty="0" smtClean="0">
+                        <a:rPr lang="en-US" sz="1900" b="0" i="1" dirty="0" smtClean="0">
                           <a:latin typeface="Cambria Math" panose="02040503050406030204" pitchFamily="18" charset="0"/>
                         </a:rPr>
                         <m:t>)</m:t>
@@ -8264,21 +8264,903 @@
                     </m:oMath>
                   </m:oMathPara>
                 </a14:m>
+                <a:endParaRPr lang="en-US" sz="1900" dirty="0" smtClean="0"/>
+              </a:p>
+              <a:p>
+                <a:pPr>
+                  <a:buFont typeface="Wingdings" panose="05000000000000000000" pitchFamily="2" charset="2"/>
+                  <a:buChar char="§"/>
+                </a:pPr>
+                <a:r>
+                  <a:rPr lang="en-US" sz="1800" dirty="0" smtClean="0"/>
+                  <a:t>Gradient Descent </a:t>
+                </a:r>
+                <a:r>
+                  <a:rPr lang="en-US" sz="1800" dirty="0" err="1" smtClean="0"/>
+                  <a:t>được</a:t>
+                </a:r>
+                <a:r>
+                  <a:rPr lang="en-US" sz="1800" dirty="0" smtClean="0"/>
+                  <a:t> </a:t>
+                </a:r>
+                <a:r>
+                  <a:rPr lang="en-US" sz="1800" dirty="0" err="1" smtClean="0"/>
+                  <a:t>áp</a:t>
+                </a:r>
+                <a:r>
+                  <a:rPr lang="en-US" sz="1800" dirty="0" smtClean="0"/>
+                  <a:t> </a:t>
+                </a:r>
+                <a:r>
+                  <a:rPr lang="en-US" sz="1800" dirty="0" err="1" smtClean="0"/>
+                  <a:t>dụng</a:t>
+                </a:r>
+                <a:r>
+                  <a:rPr lang="en-US" sz="1800" dirty="0" smtClean="0"/>
+                  <a:t> </a:t>
+                </a:r>
+                <a:r>
+                  <a:rPr lang="en-US" sz="1800" dirty="0" err="1" smtClean="0"/>
+                  <a:t>như</a:t>
+                </a:r>
+                <a:r>
+                  <a:rPr lang="en-US" sz="1800" dirty="0" smtClean="0"/>
+                  <a:t> </a:t>
+                </a:r>
+                <a:r>
+                  <a:rPr lang="en-US" sz="1800" dirty="0" err="1" smtClean="0"/>
+                  <a:t>thế</a:t>
+                </a:r>
+                <a:r>
+                  <a:rPr lang="en-US" sz="1800" dirty="0" smtClean="0"/>
+                  <a:t> </a:t>
+                </a:r>
+                <a:r>
+                  <a:rPr lang="en-US" sz="1800" dirty="0" err="1" smtClean="0"/>
+                  <a:t>nào</a:t>
+                </a:r>
+                <a:r>
+                  <a:rPr lang="en-US" sz="1800" dirty="0" smtClean="0"/>
+                  <a:t> </a:t>
+                </a:r>
+                <a:r>
+                  <a:rPr lang="en-US" sz="1800" dirty="0" err="1" smtClean="0"/>
+                  <a:t>cho</a:t>
+                </a:r>
+                <a:r>
+                  <a:rPr lang="en-US" sz="1800" dirty="0" smtClean="0"/>
+                  <a:t> </a:t>
+                </a:r>
+                <a:r>
+                  <a:rPr lang="en-US" sz="1800" dirty="0" err="1" smtClean="0"/>
+                  <a:t>bài</a:t>
+                </a:r>
+                <a:r>
+                  <a:rPr lang="en-US" sz="1800" dirty="0" smtClean="0"/>
+                  <a:t> </a:t>
+                </a:r>
+                <a:r>
+                  <a:rPr lang="en-US" sz="1800" dirty="0" err="1" smtClean="0"/>
+                  <a:t>toán</a:t>
+                </a:r>
+                <a:r>
+                  <a:rPr lang="en-US" sz="1800" dirty="0" smtClean="0"/>
+                  <a:t> Linear Regression?</a:t>
+                </a:r>
+              </a:p>
+              <a:p>
+                <a:pPr lvl="1"/>
+                <a:r>
+                  <a:rPr lang="en-US" sz="1500" dirty="0" err="1" smtClean="0"/>
+                  <a:t>Hàm</a:t>
+                </a:r>
+                <a:r>
+                  <a:rPr lang="en-US" sz="1500" dirty="0" smtClean="0"/>
+                  <a:t> </a:t>
+                </a:r>
+                <a:r>
+                  <a:rPr lang="en-US" sz="1500" dirty="0" err="1" smtClean="0"/>
+                  <a:t>của</a:t>
+                </a:r>
+                <a:r>
+                  <a:rPr lang="en-US" sz="1500" dirty="0" smtClean="0"/>
+                  <a:t> Linear Regression:</a:t>
+                </a:r>
+              </a:p>
+              <a:p>
+                <a:pPr marL="457200" lvl="1" indent="0">
+                  <a:buNone/>
+                </a:pPr>
+                <a14:m>
+                  <m:oMathPara xmlns:m="http://schemas.openxmlformats.org/officeDocument/2006/math">
+                    <m:oMathParaPr>
+                      <m:jc m:val="centerGroup"/>
+                    </m:oMathParaPr>
+                    <m:oMath xmlns:m="http://schemas.openxmlformats.org/officeDocument/2006/math">
+                      <m:sSub>
+                        <m:sSubPr>
+                          <m:ctrlPr>
+                            <a:rPr lang="en-US" sz="1300" i="1" smtClean="0">
+                              <a:latin typeface="Cambria Math" panose="02040503050406030204" pitchFamily="18" charset="0"/>
+                            </a:rPr>
+                          </m:ctrlPr>
+                        </m:sSubPr>
+                        <m:e>
+                          <m:r>
+                            <a:rPr lang="en-US" sz="1300" b="0" i="1" smtClean="0">
+                              <a:latin typeface="Cambria Math" panose="02040503050406030204" pitchFamily="18" charset="0"/>
+                            </a:rPr>
+                            <m:t>h</m:t>
+                          </m:r>
+                        </m:e>
+                        <m:sub>
+                          <m:r>
+                            <a:rPr lang="en-US" sz="1300" i="1" smtClean="0">
+                              <a:latin typeface="Cambria Math" panose="02040503050406030204" pitchFamily="18" charset="0"/>
+                              <a:ea typeface="Cambria Math" panose="02040503050406030204" pitchFamily="18" charset="0"/>
+                            </a:rPr>
+                            <m:t>𝜃</m:t>
+                          </m:r>
+                        </m:sub>
+                      </m:sSub>
+                      <m:r>
+                        <a:rPr lang="en-US" sz="1300" b="0" i="1" smtClean="0">
+                          <a:latin typeface="Cambria Math" panose="02040503050406030204" pitchFamily="18" charset="0"/>
+                        </a:rPr>
+                        <m:t>= </m:t>
+                      </m:r>
+                      <m:sSup>
+                        <m:sSupPr>
+                          <m:ctrlPr>
+                            <a:rPr lang="en-US" sz="1300" b="0" i="1" smtClean="0">
+                              <a:latin typeface="Cambria Math" panose="02040503050406030204" pitchFamily="18" charset="0"/>
+                            </a:rPr>
+                          </m:ctrlPr>
+                        </m:sSupPr>
+                        <m:e>
+                          <m:r>
+                            <a:rPr lang="en-US" sz="1300" b="0" i="1" smtClean="0">
+                              <a:latin typeface="Cambria Math" panose="02040503050406030204" pitchFamily="18" charset="0"/>
+                              <a:ea typeface="Cambria Math" panose="02040503050406030204" pitchFamily="18" charset="0"/>
+                            </a:rPr>
+                            <m:t>𝜃</m:t>
+                          </m:r>
+                        </m:e>
+                        <m:sup>
+                          <m:r>
+                            <a:rPr lang="en-US" sz="1300" b="0" i="1" smtClean="0">
+                              <a:latin typeface="Cambria Math" panose="02040503050406030204" pitchFamily="18" charset="0"/>
+                            </a:rPr>
+                            <m:t>𝑇</m:t>
+                          </m:r>
+                        </m:sup>
+                      </m:sSup>
+                      <m:r>
+                        <a:rPr lang="en-US" sz="1300" b="0" i="1" smtClean="0">
+                          <a:latin typeface="Cambria Math" panose="02040503050406030204" pitchFamily="18" charset="0"/>
+                        </a:rPr>
+                        <m:t>𝑋</m:t>
+                      </m:r>
+                    </m:oMath>
+                  </m:oMathPara>
+                </a14:m>
+                <a:endParaRPr lang="en-US" sz="1300" b="0" dirty="0" smtClean="0"/>
+              </a:p>
+              <a:p>
+                <a:pPr marL="457200" lvl="1" indent="0">
+                  <a:buNone/>
+                </a:pPr>
+                <a:r>
+                  <a:rPr lang="en-US" sz="1500" dirty="0" err="1" smtClean="0"/>
+                  <a:t>Trong</a:t>
+                </a:r>
+                <a:r>
+                  <a:rPr lang="en-US" sz="1500" dirty="0" smtClean="0"/>
+                  <a:t> </a:t>
+                </a:r>
+                <a:r>
+                  <a:rPr lang="en-US" sz="1500" dirty="0" err="1" smtClean="0"/>
+                  <a:t>đó</a:t>
+                </a:r>
+                <a:r>
+                  <a:rPr lang="en-US" sz="1500" dirty="0" smtClean="0"/>
+                  <a:t>:</a:t>
+                </a:r>
+              </a:p>
+              <a:p>
+                <a:pPr lvl="2"/>
+                <a14:m>
+                  <m:oMath xmlns:m="http://schemas.openxmlformats.org/officeDocument/2006/math">
+                    <m:r>
+                      <a:rPr lang="en-US" sz="1300" i="1" smtClean="0">
+                        <a:latin typeface="Cambria Math" panose="02040503050406030204" pitchFamily="18" charset="0"/>
+                        <a:ea typeface="Cambria Math" panose="02040503050406030204" pitchFamily="18" charset="0"/>
+                      </a:rPr>
+                      <m:t>𝜃</m:t>
+                    </m:r>
+                  </m:oMath>
+                </a14:m>
+                <a:r>
+                  <a:rPr lang="en-US" sz="1300" dirty="0" smtClean="0"/>
+                  <a:t> </a:t>
+                </a:r>
+                <a:r>
+                  <a:rPr lang="en-US" sz="1300" dirty="0" err="1" smtClean="0"/>
+                  <a:t>là</a:t>
+                </a:r>
+                <a:r>
+                  <a:rPr lang="en-US" sz="1300" dirty="0" smtClean="0"/>
+                  <a:t> vector </a:t>
+                </a:r>
+                <a:r>
+                  <a:rPr lang="en-US" sz="1300" dirty="0" err="1" smtClean="0"/>
+                  <a:t>của</a:t>
+                </a:r>
+                <a:r>
+                  <a:rPr lang="en-US" sz="1300" dirty="0" smtClean="0"/>
+                  <a:t> </a:t>
+                </a:r>
+                <a:r>
+                  <a:rPr lang="en-US" sz="1300" dirty="0" err="1" smtClean="0"/>
+                  <a:t>tham</a:t>
+                </a:r>
+                <a:r>
+                  <a:rPr lang="en-US" sz="1300" dirty="0" smtClean="0"/>
+                  <a:t> </a:t>
+                </a:r>
+                <a:r>
+                  <a:rPr lang="en-US" sz="1300" dirty="0" err="1" smtClean="0"/>
+                  <a:t>số</a:t>
+                </a:r>
+                <a:endParaRPr lang="en-US" sz="1300" dirty="0" smtClean="0"/>
+              </a:p>
+              <a:p>
+                <a:pPr lvl="2"/>
+                <a14:m>
+                  <m:oMath xmlns:m="http://schemas.openxmlformats.org/officeDocument/2006/math">
+                    <m:r>
+                      <a:rPr lang="en-US" sz="1300" b="0" i="1" smtClean="0">
+                        <a:latin typeface="Cambria Math" panose="02040503050406030204" pitchFamily="18" charset="0"/>
+                      </a:rPr>
+                      <m:t>𝑋</m:t>
+                    </m:r>
+                  </m:oMath>
+                </a14:m>
+                <a:r>
+                  <a:rPr lang="en-US" sz="1300" dirty="0" smtClean="0"/>
+                  <a:t> </a:t>
+                </a:r>
+                <a:r>
+                  <a:rPr lang="en-US" sz="1300" dirty="0" err="1" smtClean="0"/>
+                  <a:t>là</a:t>
+                </a:r>
+                <a:r>
+                  <a:rPr lang="en-US" sz="1300" dirty="0" smtClean="0"/>
+                  <a:t> vector </a:t>
+                </a:r>
+                <a:r>
+                  <a:rPr lang="en-US" sz="1300" dirty="0" err="1" smtClean="0"/>
+                  <a:t>của</a:t>
+                </a:r>
+                <a:r>
+                  <a:rPr lang="en-US" sz="1300" dirty="0" smtClean="0"/>
+                  <a:t> </a:t>
+                </a:r>
+                <a:r>
+                  <a:rPr lang="en-US" sz="1300" dirty="0" err="1" smtClean="0"/>
+                  <a:t>hàm</a:t>
+                </a:r>
+                <a:r>
+                  <a:rPr lang="en-US" sz="1300" dirty="0" smtClean="0"/>
+                  <a:t> </a:t>
+                </a:r>
+                <a:r>
+                  <a:rPr lang="en-US" sz="1300" dirty="0" err="1" smtClean="0"/>
+                  <a:t>số</a:t>
+                </a:r>
+                <a:endParaRPr lang="en-US" sz="1300" dirty="0"/>
+              </a:p>
+              <a:p>
+                <a:pPr lvl="1"/>
+                <a:r>
+                  <a:rPr lang="en-US" sz="1500" dirty="0" smtClean="0"/>
+                  <a:t>Loss Function:</a:t>
+                </a:r>
+              </a:p>
+              <a:p>
+                <a:pPr marL="914400" lvl="2" indent="0">
+                  <a:buNone/>
+                </a:pPr>
+                <a14:m>
+                  <m:oMathPara xmlns:m="http://schemas.openxmlformats.org/officeDocument/2006/math">
+                    <m:oMathParaPr>
+                      <m:jc m:val="centerGroup"/>
+                    </m:oMathParaPr>
+                    <m:oMath xmlns:m="http://schemas.openxmlformats.org/officeDocument/2006/math">
+                      <m:r>
+                        <a:rPr lang="en-US" sz="1300" b="0" i="1" smtClean="0">
+                          <a:latin typeface="Cambria Math" panose="02040503050406030204" pitchFamily="18" charset="0"/>
+                        </a:rPr>
+                        <m:t>𝐿</m:t>
+                      </m:r>
+                      <m:r>
+                        <a:rPr lang="en-US" sz="1300" b="0" i="1" smtClean="0">
+                          <a:latin typeface="Cambria Math" panose="02040503050406030204" pitchFamily="18" charset="0"/>
+                        </a:rPr>
+                        <m:t>= </m:t>
+                      </m:r>
+                      <m:f>
+                        <m:fPr>
+                          <m:ctrlPr>
+                            <a:rPr lang="en-US" sz="1300" b="0" i="1" smtClean="0">
+                              <a:latin typeface="Cambria Math" panose="02040503050406030204" pitchFamily="18" charset="0"/>
+                            </a:rPr>
+                          </m:ctrlPr>
+                        </m:fPr>
+                        <m:num>
+                          <m:r>
+                            <a:rPr lang="en-US" sz="1300" b="0" i="1" smtClean="0">
+                              <a:latin typeface="Cambria Math" panose="02040503050406030204" pitchFamily="18" charset="0"/>
+                            </a:rPr>
+                            <m:t>1</m:t>
+                          </m:r>
+                        </m:num>
+                        <m:den>
+                          <m:r>
+                            <a:rPr lang="en-US" sz="1300" b="0" i="1" smtClean="0">
+                              <a:latin typeface="Cambria Math" panose="02040503050406030204" pitchFamily="18" charset="0"/>
+                            </a:rPr>
+                            <m:t>2</m:t>
+                          </m:r>
+                          <m:r>
+                            <a:rPr lang="en-US" sz="1300" b="0" i="1" smtClean="0">
+                              <a:latin typeface="Cambria Math" panose="02040503050406030204" pitchFamily="18" charset="0"/>
+                            </a:rPr>
+                            <m:t>𝑚</m:t>
+                          </m:r>
+                        </m:den>
+                      </m:f>
+                      <m:nary>
+                        <m:naryPr>
+                          <m:chr m:val="∑"/>
+                          <m:ctrlPr>
+                            <a:rPr lang="en-US" sz="1300" b="0" i="1" smtClean="0">
+                              <a:latin typeface="Cambria Math" panose="02040503050406030204" pitchFamily="18" charset="0"/>
+                            </a:rPr>
+                          </m:ctrlPr>
+                        </m:naryPr>
+                        <m:sub>
+                          <m:r>
+                            <m:rPr>
+                              <m:brk m:alnAt="23"/>
+                            </m:rPr>
+                            <a:rPr lang="en-US" sz="1300" b="0" i="1" smtClean="0">
+                              <a:latin typeface="Cambria Math" panose="02040503050406030204" pitchFamily="18" charset="0"/>
+                            </a:rPr>
+                            <m:t>𝑖</m:t>
+                          </m:r>
+                          <m:r>
+                            <a:rPr lang="en-US" sz="1300" b="0" i="1" smtClean="0">
+                              <a:latin typeface="Cambria Math" panose="02040503050406030204" pitchFamily="18" charset="0"/>
+                            </a:rPr>
+                            <m:t>=1</m:t>
+                          </m:r>
+                        </m:sub>
+                        <m:sup>
+                          <m:r>
+                            <a:rPr lang="en-US" sz="1300" b="0" i="1" smtClean="0">
+                              <a:latin typeface="Cambria Math" panose="02040503050406030204" pitchFamily="18" charset="0"/>
+                            </a:rPr>
+                            <m:t>𝑚</m:t>
+                          </m:r>
+                        </m:sup>
+                        <m:e>
+                          <m:sSup>
+                            <m:sSupPr>
+                              <m:ctrlPr>
+                                <a:rPr lang="en-US" sz="1300" b="0" i="1" smtClean="0">
+                                  <a:latin typeface="Cambria Math" panose="02040503050406030204" pitchFamily="18" charset="0"/>
+                                </a:rPr>
+                              </m:ctrlPr>
+                            </m:sSupPr>
+                            <m:e>
+                              <m:sSub>
+                                <m:sSubPr>
+                                  <m:ctrlPr>
+                                    <a:rPr lang="en-US" sz="1300" i="1">
+                                      <a:latin typeface="Cambria Math" panose="02040503050406030204" pitchFamily="18" charset="0"/>
+                                      <a:ea typeface="Cambria Math" panose="02040503050406030204" pitchFamily="18" charset="0"/>
+                                    </a:rPr>
+                                  </m:ctrlPr>
+                                </m:sSubPr>
+                                <m:e>
+                                  <m:r>
+                                    <a:rPr lang="en-US" sz="1300" i="1">
+                                      <a:latin typeface="Cambria Math" panose="02040503050406030204" pitchFamily="18" charset="0"/>
+                                      <a:ea typeface="Cambria Math" panose="02040503050406030204" pitchFamily="18" charset="0"/>
+                                    </a:rPr>
+                                    <m:t>h</m:t>
+                                  </m:r>
+                                </m:e>
+                                <m:sub>
+                                  <m:r>
+                                    <a:rPr lang="en-US" sz="1300" i="1">
+                                      <a:latin typeface="Cambria Math" panose="02040503050406030204" pitchFamily="18" charset="0"/>
+                                      <a:ea typeface="Cambria Math" panose="02040503050406030204" pitchFamily="18" charset="0"/>
+                                    </a:rPr>
+                                    <m:t>𝜃</m:t>
+                                  </m:r>
+                                </m:sub>
+                              </m:sSub>
+                              <m:d>
+                                <m:dPr>
+                                  <m:ctrlPr>
+                                    <a:rPr lang="en-US" sz="1300" i="1">
+                                      <a:latin typeface="Cambria Math" panose="02040503050406030204" pitchFamily="18" charset="0"/>
+                                      <a:ea typeface="Cambria Math" panose="02040503050406030204" pitchFamily="18" charset="0"/>
+                                    </a:rPr>
+                                  </m:ctrlPr>
+                                </m:dPr>
+                                <m:e>
+                                  <m:sSup>
+                                    <m:sSupPr>
+                                      <m:ctrlPr>
+                                        <a:rPr lang="en-US" sz="1300" i="1">
+                                          <a:latin typeface="Cambria Math" panose="02040503050406030204" pitchFamily="18" charset="0"/>
+                                          <a:ea typeface="Cambria Math" panose="02040503050406030204" pitchFamily="18" charset="0"/>
+                                        </a:rPr>
+                                      </m:ctrlPr>
+                                    </m:sSupPr>
+                                    <m:e>
+                                      <m:r>
+                                        <a:rPr lang="en-US" sz="1300" i="1">
+                                          <a:latin typeface="Cambria Math" panose="02040503050406030204" pitchFamily="18" charset="0"/>
+                                          <a:ea typeface="Cambria Math" panose="02040503050406030204" pitchFamily="18" charset="0"/>
+                                        </a:rPr>
+                                        <m:t>𝑥</m:t>
+                                      </m:r>
+                                    </m:e>
+                                    <m:sup>
+                                      <m:r>
+                                        <a:rPr lang="en-US" sz="1300" i="1">
+                                          <a:latin typeface="Cambria Math" panose="02040503050406030204" pitchFamily="18" charset="0"/>
+                                          <a:ea typeface="Cambria Math" panose="02040503050406030204" pitchFamily="18" charset="0"/>
+                                        </a:rPr>
+                                        <m:t>𝑖</m:t>
+                                      </m:r>
+                                    </m:sup>
+                                  </m:sSup>
+                                </m:e>
+                              </m:d>
+                              <m:r>
+                                <a:rPr lang="en-US" sz="1300" i="1">
+                                  <a:latin typeface="Cambria Math" panose="02040503050406030204" pitchFamily="18" charset="0"/>
+                                  <a:ea typeface="Cambria Math" panose="02040503050406030204" pitchFamily="18" charset="0"/>
+                                </a:rPr>
+                                <m:t>−</m:t>
+                              </m:r>
+                              <m:sSup>
+                                <m:sSupPr>
+                                  <m:ctrlPr>
+                                    <a:rPr lang="en-US" sz="1300" i="1">
+                                      <a:latin typeface="Cambria Math" panose="02040503050406030204" pitchFamily="18" charset="0"/>
+                                      <a:ea typeface="Cambria Math" panose="02040503050406030204" pitchFamily="18" charset="0"/>
+                                    </a:rPr>
+                                  </m:ctrlPr>
+                                </m:sSupPr>
+                                <m:e>
+                                  <m:r>
+                                    <a:rPr lang="en-US" sz="1300" i="1">
+                                      <a:latin typeface="Cambria Math" panose="02040503050406030204" pitchFamily="18" charset="0"/>
+                                      <a:ea typeface="Cambria Math" panose="02040503050406030204" pitchFamily="18" charset="0"/>
+                                    </a:rPr>
+                                    <m:t>𝑦</m:t>
+                                  </m:r>
+                                </m:e>
+                                <m:sup>
+                                  <m:r>
+                                    <a:rPr lang="en-US" sz="1300" i="1">
+                                      <a:latin typeface="Cambria Math" panose="02040503050406030204" pitchFamily="18" charset="0"/>
+                                      <a:ea typeface="Cambria Math" panose="02040503050406030204" pitchFamily="18" charset="0"/>
+                                    </a:rPr>
+                                    <m:t>𝑖</m:t>
+                                  </m:r>
+                                </m:sup>
+                              </m:sSup>
+                              <m:r>
+                                <a:rPr lang="en-US" sz="1300" i="1">
+                                  <a:latin typeface="Cambria Math" panose="02040503050406030204" pitchFamily="18" charset="0"/>
+                                  <a:ea typeface="Cambria Math" panose="02040503050406030204" pitchFamily="18" charset="0"/>
+                                </a:rPr>
+                                <m:t>)</m:t>
+                              </m:r>
+                            </m:e>
+                            <m:sup>
+                              <m:r>
+                                <a:rPr lang="en-US" sz="1300" b="0" i="1" smtClean="0">
+                                  <a:latin typeface="Cambria Math" panose="02040503050406030204" pitchFamily="18" charset="0"/>
+                                </a:rPr>
+                                <m:t>2</m:t>
+                              </m:r>
+                            </m:sup>
+                          </m:sSup>
+                        </m:e>
+                      </m:nary>
+                    </m:oMath>
+                  </m:oMathPara>
+                </a14:m>
+                <a:endParaRPr lang="en-US" sz="1300" dirty="0" smtClean="0"/>
+              </a:p>
+              <a:p>
+                <a:pPr lvl="1"/>
+                <a:r>
+                  <a:rPr lang="en-US" sz="1500" dirty="0" smtClean="0"/>
+                  <a:t>Ý </a:t>
+                </a:r>
+                <a:r>
+                  <a:rPr lang="en-US" sz="1500" dirty="0" err="1" smtClean="0"/>
+                  <a:t>tưởng</a:t>
+                </a:r>
+                <a:r>
+                  <a:rPr lang="en-US" sz="1500" dirty="0" smtClean="0"/>
+                  <a:t> </a:t>
+                </a:r>
+                <a:r>
+                  <a:rPr lang="en-US" sz="1500" dirty="0" err="1"/>
+                  <a:t>t</a:t>
+                </a:r>
+                <a:r>
+                  <a:rPr lang="en-US" sz="1500" dirty="0" err="1" smtClean="0"/>
+                  <a:t>huật</a:t>
+                </a:r>
+                <a:r>
+                  <a:rPr lang="en-US" sz="1500" dirty="0" smtClean="0"/>
+                  <a:t> </a:t>
+                </a:r>
+                <a:r>
+                  <a:rPr lang="en-US" sz="1500" dirty="0" err="1" smtClean="0"/>
+                  <a:t>toán</a:t>
+                </a:r>
+                <a:r>
+                  <a:rPr lang="en-US" sz="1300" dirty="0"/>
+                  <a:t>:</a:t>
+                </a:r>
+                <a:endParaRPr lang="en-US" sz="1300" dirty="0" smtClean="0"/>
+              </a:p>
+              <a:p>
+                <a:pPr marL="914400" lvl="2" indent="0">
+                  <a:buNone/>
+                </a:pPr>
+                <a:r>
+                  <a:rPr lang="en-US" sz="1300" dirty="0" smtClean="0"/>
+                  <a:t>Repeat {</a:t>
+                </a:r>
+              </a:p>
+              <a:p>
+                <a:pPr marL="914400" lvl="2" indent="0">
+                  <a:buNone/>
+                </a:pPr>
+                <a:r>
+                  <a:rPr lang="en-US" sz="1300" dirty="0" smtClean="0"/>
+                  <a:t>	</a:t>
+                </a:r>
+                <a14:m>
+                  <m:oMath xmlns:m="http://schemas.openxmlformats.org/officeDocument/2006/math">
+                    <m:sSub>
+                      <m:sSubPr>
+                        <m:ctrlPr>
+                          <a:rPr lang="en-US" sz="1300" i="1" smtClean="0">
+                            <a:latin typeface="Cambria Math" panose="02040503050406030204" pitchFamily="18" charset="0"/>
+                          </a:rPr>
+                        </m:ctrlPr>
+                      </m:sSubPr>
+                      <m:e>
+                        <m:r>
+                          <a:rPr lang="en-US" sz="1300" i="1" smtClean="0">
+                            <a:latin typeface="Cambria Math" panose="02040503050406030204" pitchFamily="18" charset="0"/>
+                            <a:ea typeface="Cambria Math" panose="02040503050406030204" pitchFamily="18" charset="0"/>
+                          </a:rPr>
+                          <m:t>𝜃</m:t>
+                        </m:r>
+                      </m:e>
+                      <m:sub>
+                        <m:r>
+                          <a:rPr lang="en-US" sz="1300" b="0" i="1" smtClean="0">
+                            <a:latin typeface="Cambria Math" panose="02040503050406030204" pitchFamily="18" charset="0"/>
+                          </a:rPr>
+                          <m:t>𝑗</m:t>
+                        </m:r>
+                      </m:sub>
+                    </m:sSub>
+                    <m:r>
+                      <a:rPr lang="en-US" sz="1300" b="0" i="1" smtClean="0">
+                        <a:latin typeface="Cambria Math" panose="02040503050406030204" pitchFamily="18" charset="0"/>
+                      </a:rPr>
+                      <m:t>≔ </m:t>
+                    </m:r>
+                    <m:sSub>
+                      <m:sSubPr>
+                        <m:ctrlPr>
+                          <a:rPr lang="en-US" sz="1300" b="0" i="1" smtClean="0">
+                            <a:latin typeface="Cambria Math" panose="02040503050406030204" pitchFamily="18" charset="0"/>
+                          </a:rPr>
+                        </m:ctrlPr>
+                      </m:sSubPr>
+                      <m:e>
+                        <m:r>
+                          <a:rPr lang="en-US" sz="1300" b="0" i="1" smtClean="0">
+                            <a:latin typeface="Cambria Math" panose="02040503050406030204" pitchFamily="18" charset="0"/>
+                            <a:ea typeface="Cambria Math" panose="02040503050406030204" pitchFamily="18" charset="0"/>
+                          </a:rPr>
+                          <m:t>𝜃</m:t>
+                        </m:r>
+                      </m:e>
+                      <m:sub>
+                        <m:r>
+                          <a:rPr lang="en-US" sz="1300" b="0" i="1" smtClean="0">
+                            <a:latin typeface="Cambria Math" panose="02040503050406030204" pitchFamily="18" charset="0"/>
+                          </a:rPr>
+                          <m:t>𝑗</m:t>
+                        </m:r>
+                      </m:sub>
+                    </m:sSub>
+                    <m:r>
+                      <a:rPr lang="en-US" sz="1300" b="0" i="1" smtClean="0">
+                        <a:latin typeface="Cambria Math" panose="02040503050406030204" pitchFamily="18" charset="0"/>
+                      </a:rPr>
+                      <m:t>−</m:t>
+                    </m:r>
+                    <m:r>
+                      <a:rPr lang="en-US" sz="1300" b="0" i="1" smtClean="0">
+                        <a:latin typeface="Cambria Math" panose="02040503050406030204" pitchFamily="18" charset="0"/>
+                        <a:ea typeface="Cambria Math" panose="02040503050406030204" pitchFamily="18" charset="0"/>
+                      </a:rPr>
+                      <m:t>𝛼</m:t>
+                    </m:r>
+                    <m:f>
+                      <m:fPr>
+                        <m:ctrlPr>
+                          <a:rPr lang="en-US" sz="1300" b="0" i="1" smtClean="0">
+                            <a:latin typeface="Cambria Math" panose="02040503050406030204" pitchFamily="18" charset="0"/>
+                            <a:ea typeface="Cambria Math" panose="02040503050406030204" pitchFamily="18" charset="0"/>
+                          </a:rPr>
+                        </m:ctrlPr>
+                      </m:fPr>
+                      <m:num>
+                        <m:r>
+                          <a:rPr lang="en-US" sz="1300" b="0" i="1" smtClean="0">
+                            <a:latin typeface="Cambria Math" panose="02040503050406030204" pitchFamily="18" charset="0"/>
+                            <a:ea typeface="Cambria Math" panose="02040503050406030204" pitchFamily="18" charset="0"/>
+                          </a:rPr>
+                          <m:t>1</m:t>
+                        </m:r>
+                      </m:num>
+                      <m:den>
+                        <m:r>
+                          <a:rPr lang="en-US" sz="1300" b="0" i="1" smtClean="0">
+                            <a:latin typeface="Cambria Math" panose="02040503050406030204" pitchFamily="18" charset="0"/>
+                            <a:ea typeface="Cambria Math" panose="02040503050406030204" pitchFamily="18" charset="0"/>
+                          </a:rPr>
+                          <m:t>𝑚</m:t>
+                        </m:r>
+                      </m:den>
+                    </m:f>
+                    <m:nary>
+                      <m:naryPr>
+                        <m:chr m:val="∑"/>
+                        <m:ctrlPr>
+                          <a:rPr lang="en-US" sz="1300" b="0" i="1" smtClean="0">
+                            <a:latin typeface="Cambria Math" panose="02040503050406030204" pitchFamily="18" charset="0"/>
+                            <a:ea typeface="Cambria Math" panose="02040503050406030204" pitchFamily="18" charset="0"/>
+                          </a:rPr>
+                        </m:ctrlPr>
+                      </m:naryPr>
+                      <m:sub>
+                        <m:r>
+                          <m:rPr>
+                            <m:brk m:alnAt="23"/>
+                          </m:rPr>
+                          <a:rPr lang="en-US" sz="1300" b="0" i="1" smtClean="0">
+                            <a:latin typeface="Cambria Math" panose="02040503050406030204" pitchFamily="18" charset="0"/>
+                            <a:ea typeface="Cambria Math" panose="02040503050406030204" pitchFamily="18" charset="0"/>
+                          </a:rPr>
+                          <m:t>𝑖</m:t>
+                        </m:r>
+                        <m:r>
+                          <a:rPr lang="en-US" sz="1300" b="0" i="1" smtClean="0">
+                            <a:latin typeface="Cambria Math" panose="02040503050406030204" pitchFamily="18" charset="0"/>
+                            <a:ea typeface="Cambria Math" panose="02040503050406030204" pitchFamily="18" charset="0"/>
+                          </a:rPr>
+                          <m:t>=1</m:t>
+                        </m:r>
+                      </m:sub>
+                      <m:sup>
+                        <m:r>
+                          <a:rPr lang="en-US" sz="1300" b="0" i="1" smtClean="0">
+                            <a:latin typeface="Cambria Math" panose="02040503050406030204" pitchFamily="18" charset="0"/>
+                            <a:ea typeface="Cambria Math" panose="02040503050406030204" pitchFamily="18" charset="0"/>
+                          </a:rPr>
+                          <m:t>𝑚</m:t>
+                        </m:r>
+                      </m:sup>
+                      <m:e>
+                        <m:r>
+                          <a:rPr lang="en-US" sz="1300" b="0" i="1" smtClean="0">
+                            <a:latin typeface="Cambria Math" panose="02040503050406030204" pitchFamily="18" charset="0"/>
+                            <a:ea typeface="Cambria Math" panose="02040503050406030204" pitchFamily="18" charset="0"/>
+                          </a:rPr>
+                          <m:t>(</m:t>
+                        </m:r>
+                        <m:sSub>
+                          <m:sSubPr>
+                            <m:ctrlPr>
+                              <a:rPr lang="en-US" sz="1300" b="0" i="1" smtClean="0">
+                                <a:latin typeface="Cambria Math" panose="02040503050406030204" pitchFamily="18" charset="0"/>
+                                <a:ea typeface="Cambria Math" panose="02040503050406030204" pitchFamily="18" charset="0"/>
+                              </a:rPr>
+                            </m:ctrlPr>
+                          </m:sSubPr>
+                          <m:e>
+                            <m:r>
+                              <a:rPr lang="en-US" sz="1300" b="0" i="1" smtClean="0">
+                                <a:latin typeface="Cambria Math" panose="02040503050406030204" pitchFamily="18" charset="0"/>
+                                <a:ea typeface="Cambria Math" panose="02040503050406030204" pitchFamily="18" charset="0"/>
+                              </a:rPr>
+                              <m:t>h</m:t>
+                            </m:r>
+                          </m:e>
+                          <m:sub>
+                            <m:r>
+                              <a:rPr lang="en-US" sz="1300" b="0" i="1" smtClean="0">
+                                <a:latin typeface="Cambria Math" panose="02040503050406030204" pitchFamily="18" charset="0"/>
+                                <a:ea typeface="Cambria Math" panose="02040503050406030204" pitchFamily="18" charset="0"/>
+                              </a:rPr>
+                              <m:t>𝜃</m:t>
+                            </m:r>
+                          </m:sub>
+                        </m:sSub>
+                        <m:d>
+                          <m:dPr>
+                            <m:ctrlPr>
+                              <a:rPr lang="en-US" sz="1300" b="0" i="1" smtClean="0">
+                                <a:latin typeface="Cambria Math" panose="02040503050406030204" pitchFamily="18" charset="0"/>
+                                <a:ea typeface="Cambria Math" panose="02040503050406030204" pitchFamily="18" charset="0"/>
+                              </a:rPr>
+                            </m:ctrlPr>
+                          </m:dPr>
+                          <m:e>
+                            <m:sSup>
+                              <m:sSupPr>
+                                <m:ctrlPr>
+                                  <a:rPr lang="en-US" sz="1300" b="0" i="1" smtClean="0">
+                                    <a:latin typeface="Cambria Math" panose="02040503050406030204" pitchFamily="18" charset="0"/>
+                                    <a:ea typeface="Cambria Math" panose="02040503050406030204" pitchFamily="18" charset="0"/>
+                                  </a:rPr>
+                                </m:ctrlPr>
+                              </m:sSupPr>
+                              <m:e>
+                                <m:r>
+                                  <a:rPr lang="en-US" sz="1300" b="0" i="1" smtClean="0">
+                                    <a:latin typeface="Cambria Math" panose="02040503050406030204" pitchFamily="18" charset="0"/>
+                                    <a:ea typeface="Cambria Math" panose="02040503050406030204" pitchFamily="18" charset="0"/>
+                                  </a:rPr>
+                                  <m:t>𝑥</m:t>
+                                </m:r>
+                              </m:e>
+                              <m:sup>
+                                <m:r>
+                                  <a:rPr lang="en-US" sz="1300" b="0" i="1" smtClean="0">
+                                    <a:latin typeface="Cambria Math" panose="02040503050406030204" pitchFamily="18" charset="0"/>
+                                    <a:ea typeface="Cambria Math" panose="02040503050406030204" pitchFamily="18" charset="0"/>
+                                  </a:rPr>
+                                  <m:t>𝑖</m:t>
+                                </m:r>
+                              </m:sup>
+                            </m:sSup>
+                          </m:e>
+                        </m:d>
+                        <m:r>
+                          <a:rPr lang="en-US" sz="1300" b="0" i="1" smtClean="0">
+                            <a:latin typeface="Cambria Math" panose="02040503050406030204" pitchFamily="18" charset="0"/>
+                            <a:ea typeface="Cambria Math" panose="02040503050406030204" pitchFamily="18" charset="0"/>
+                          </a:rPr>
+                          <m:t>−</m:t>
+                        </m:r>
+                        <m:sSup>
+                          <m:sSupPr>
+                            <m:ctrlPr>
+                              <a:rPr lang="en-US" sz="1300" b="0" i="1" smtClean="0">
+                                <a:latin typeface="Cambria Math" panose="02040503050406030204" pitchFamily="18" charset="0"/>
+                                <a:ea typeface="Cambria Math" panose="02040503050406030204" pitchFamily="18" charset="0"/>
+                              </a:rPr>
+                            </m:ctrlPr>
+                          </m:sSupPr>
+                          <m:e>
+                            <m:r>
+                              <a:rPr lang="en-US" sz="1300" b="0" i="1" smtClean="0">
+                                <a:latin typeface="Cambria Math" panose="02040503050406030204" pitchFamily="18" charset="0"/>
+                                <a:ea typeface="Cambria Math" panose="02040503050406030204" pitchFamily="18" charset="0"/>
+                              </a:rPr>
+                              <m:t>𝑦</m:t>
+                            </m:r>
+                          </m:e>
+                          <m:sup>
+                            <m:r>
+                              <a:rPr lang="en-US" sz="1300" b="0" i="1" smtClean="0">
+                                <a:latin typeface="Cambria Math" panose="02040503050406030204" pitchFamily="18" charset="0"/>
+                                <a:ea typeface="Cambria Math" panose="02040503050406030204" pitchFamily="18" charset="0"/>
+                              </a:rPr>
+                              <m:t>𝑖</m:t>
+                            </m:r>
+                          </m:sup>
+                        </m:sSup>
+                        <m:r>
+                          <a:rPr lang="en-US" sz="1300" b="0" i="1" smtClean="0">
+                            <a:latin typeface="Cambria Math" panose="02040503050406030204" pitchFamily="18" charset="0"/>
+                            <a:ea typeface="Cambria Math" panose="02040503050406030204" pitchFamily="18" charset="0"/>
+                          </a:rPr>
+                          <m:t>)</m:t>
+                        </m:r>
+                      </m:e>
+                    </m:nary>
+                    <m:sSup>
+                      <m:sSupPr>
+                        <m:ctrlPr>
+                          <a:rPr lang="en-US" sz="1300" b="0" i="1" smtClean="0">
+                            <a:latin typeface="Cambria Math" panose="02040503050406030204" pitchFamily="18" charset="0"/>
+                            <a:ea typeface="Cambria Math" panose="02040503050406030204" pitchFamily="18" charset="0"/>
+                          </a:rPr>
+                        </m:ctrlPr>
+                      </m:sSupPr>
+                      <m:e>
+                        <m:r>
+                          <a:rPr lang="en-US" sz="1300" b="0" i="1" smtClean="0">
+                            <a:latin typeface="Cambria Math" panose="02040503050406030204" pitchFamily="18" charset="0"/>
+                            <a:ea typeface="Cambria Math" panose="02040503050406030204" pitchFamily="18" charset="0"/>
+                          </a:rPr>
+                          <m:t>𝑥</m:t>
+                        </m:r>
+                      </m:e>
+                      <m:sup>
+                        <m:r>
+                          <a:rPr lang="en-US" sz="1300" b="0" i="1" smtClean="0">
+                            <a:latin typeface="Cambria Math" panose="02040503050406030204" pitchFamily="18" charset="0"/>
+                            <a:ea typeface="Cambria Math" panose="02040503050406030204" pitchFamily="18" charset="0"/>
+                          </a:rPr>
+                          <m:t>𝑖</m:t>
+                        </m:r>
+                      </m:sup>
+                    </m:sSup>
+                  </m:oMath>
+                </a14:m>
+                <a:endParaRPr lang="en-US" sz="1300" dirty="0" smtClean="0"/>
+              </a:p>
+              <a:p>
+                <a:pPr marL="914400" lvl="2" indent="0">
+                  <a:buNone/>
+                </a:pPr>
+                <a:r>
+                  <a:rPr lang="en-US" sz="1300" dirty="0" smtClean="0"/>
+                  <a:t>}</a:t>
+                </a:r>
+              </a:p>
+              <a:p>
+                <a:pPr marL="0" lvl="1" indent="0">
+                  <a:buNone/>
+                </a:pPr>
                 <a:endParaRPr lang="en-US" sz="1400" dirty="0" smtClean="0"/>
               </a:p>
               <a:p>
-                <a:pPr marL="0" indent="0">
-                  <a:lnSpc>
-                    <a:spcPct val="130000"/>
-                  </a:lnSpc>
-                  <a:buNone/>
+                <a:pPr>
+                  <a:buFont typeface="Wingdings" panose="05000000000000000000" pitchFamily="2" charset="2"/>
+                  <a:buChar char="§"/>
                 </a:pPr>
                 <a:endParaRPr lang="en-US" sz="1800" dirty="0"/>
               </a:p>
             </p:txBody>
           </p:sp>
         </mc:Choice>
-        <mc:Fallback xmlns="">
+        <mc:Fallback>
           <p:sp>
             <p:nvSpPr>
               <p:cNvPr id="3" name="Content Placeholder 2"/>
@@ -8293,7 +9175,7 @@
               <a:blipFill>
                 <a:blip r:embed="rId2"/>
                 <a:stretch>
-                  <a:fillRect l="-382"/>
+                  <a:fillRect l="-273" t="-483"/>
                 </a:stretch>
               </a:blipFill>
             </p:spPr>
@@ -8374,6 +9256,36 @@
           </a:p>
         </p:txBody>
       </p:sp>
+      <p:pic>
+        <p:nvPicPr>
+          <p:cNvPr id="6" name="Picture 5"/>
+          <p:cNvPicPr>
+            <a:picLocks noChangeAspect="1"/>
+          </p:cNvPicPr>
+          <p:nvPr/>
+        </p:nvPicPr>
+        <p:blipFill>
+          <a:blip r:embed="rId3" cstate="print">
+            <a:extLst>
+              <a:ext uri="{28A0092B-C50C-407E-A947-70E740481C1C}">
+                <a14:useLocalDpi xmlns:a14="http://schemas.microsoft.com/office/drawing/2010/main" val="0"/>
+              </a:ext>
+            </a:extLst>
+          </a:blip>
+          <a:stretch>
+            <a:fillRect/>
+          </a:stretch>
+        </p:blipFill>
+        <p:spPr>
+          <a:xfrm>
+            <a:off x="8250604" y="3053751"/>
+            <a:ext cx="3103195" cy="2311880"/>
+          </a:xfrm>
+          <a:prstGeom prst="rect">
+            <a:avLst/>
+          </a:prstGeom>
+        </p:spPr>
+      </p:pic>
     </p:spTree>
     <p:extLst>
       <p:ext uri="{BB962C8B-B14F-4D97-AF65-F5344CB8AC3E}">
@@ -8453,8 +9365,8 @@
           </a:p>
         </p:txBody>
       </p:sp>
-      <mc:AlternateContent xmlns:mc="http://schemas.openxmlformats.org/markup-compatibility/2006" xmlns:a14="http://schemas.microsoft.com/office/drawing/2010/main">
-        <mc:Choice Requires="a14">
+      <mc:AlternateContent xmlns:mc="http://schemas.openxmlformats.org/markup-compatibility/2006">
+        <mc:Choice xmlns:a14="http://schemas.microsoft.com/office/drawing/2010/main" Requires="a14">
           <p:sp>
             <p:nvSpPr>
               <p:cNvPr id="3" name="Content Placeholder 2"/>
@@ -8711,41 +9623,41 @@
                   <a:buChar char="§"/>
                 </a:pPr>
                 <a:r>
-                  <a:rPr lang="en-US" sz="1600" dirty="0" err="1" smtClean="0"/>
+                  <a:rPr lang="en-US" sz="1800" dirty="0" err="1" smtClean="0"/>
                   <a:t>Xét</a:t>
                 </a:r>
                 <a:r>
-                  <a:rPr lang="en-US" sz="1600" dirty="0" smtClean="0"/>
-                  <a:t> </a:t>
-                </a:r>
-                <a:r>
-                  <a:rPr lang="en-US" sz="1600" dirty="0" err="1" smtClean="0"/>
+                  <a:rPr lang="en-US" sz="1800" dirty="0" smtClean="0"/>
+                  <a:t> </a:t>
+                </a:r>
+                <a:r>
+                  <a:rPr lang="en-US" sz="1800" dirty="0" err="1" smtClean="0"/>
                   <a:t>hàm</a:t>
                 </a:r>
                 <a:r>
-                  <a:rPr lang="en-US" sz="1600" dirty="0" smtClean="0"/>
-                  <a:t> </a:t>
-                </a:r>
-                <a:r>
-                  <a:rPr lang="en-US" sz="1600" dirty="0" err="1" smtClean="0"/>
+                  <a:rPr lang="en-US" sz="1800" dirty="0" smtClean="0"/>
+                  <a:t> </a:t>
+                </a:r>
+                <a:r>
+                  <a:rPr lang="en-US" sz="1800" dirty="0" err="1" smtClean="0"/>
                   <a:t>số</a:t>
                 </a:r>
                 <a:r>
-                  <a:rPr lang="en-US" sz="1600" dirty="0" smtClean="0"/>
-                  <a:t> </a:t>
-                </a:r>
-                <a:r>
-                  <a:rPr lang="en-US" sz="1600" dirty="0" err="1" smtClean="0"/>
+                  <a:rPr lang="en-US" sz="1800" dirty="0" smtClean="0"/>
+                  <a:t> </a:t>
+                </a:r>
+                <a:r>
+                  <a:rPr lang="en-US" sz="1800" dirty="0" err="1" smtClean="0"/>
                   <a:t>sau</a:t>
                 </a:r>
                 <a:r>
-                  <a:rPr lang="en-US" sz="1600" dirty="0" smtClean="0"/>
+                  <a:rPr lang="en-US" sz="1800" dirty="0" smtClean="0"/>
                   <a:t>: </a:t>
                 </a:r>
                 <a14:m>
                   <m:oMath xmlns:m="http://schemas.openxmlformats.org/officeDocument/2006/math">
                     <m:r>
-                      <a:rPr lang="en-US" sz="1600" b="0" i="1" smtClean="0">
+                      <a:rPr lang="en-US" sz="1800" b="0" i="1" smtClean="0">
                         <a:latin typeface="Cambria Math" panose="02040503050406030204" pitchFamily="18" charset="0"/>
                       </a:rPr>
                       <m:t>𝑓</m:t>
@@ -8753,14 +9665,14 @@
                     <m:d>
                       <m:dPr>
                         <m:ctrlPr>
-                          <a:rPr lang="en-US" sz="1600" b="0" i="1" smtClean="0">
+                          <a:rPr lang="en-US" sz="1800" b="0" i="1" smtClean="0">
                             <a:latin typeface="Cambria Math" panose="02040503050406030204" pitchFamily="18" charset="0"/>
                           </a:rPr>
                         </m:ctrlPr>
                       </m:dPr>
                       <m:e>
                         <m:r>
-                          <a:rPr lang="en-US" sz="1600" b="0" i="1" smtClean="0">
+                          <a:rPr lang="en-US" sz="1800" b="0" i="1" smtClean="0">
                             <a:latin typeface="Cambria Math" panose="02040503050406030204" pitchFamily="18" charset="0"/>
                           </a:rPr>
                           <m:t>𝑥</m:t>
@@ -8768,7 +9680,7 @@
                       </m:e>
                     </m:d>
                     <m:r>
-                      <a:rPr lang="en-US" sz="1600" b="0" i="1" smtClean="0">
+                      <a:rPr lang="en-US" sz="1800" b="0" i="1" smtClean="0">
                         <a:latin typeface="Cambria Math" panose="02040503050406030204" pitchFamily="18" charset="0"/>
                       </a:rPr>
                       <m:t>= </m:t>
@@ -8776,14 +9688,14 @@
                     <m:sSup>
                       <m:sSupPr>
                         <m:ctrlPr>
-                          <a:rPr lang="en-US" sz="1600" b="0" i="1" smtClean="0">
+                          <a:rPr lang="en-US" sz="1800" b="0" i="1" smtClean="0">
                             <a:latin typeface="Cambria Math" panose="02040503050406030204" pitchFamily="18" charset="0"/>
                           </a:rPr>
                         </m:ctrlPr>
                       </m:sSupPr>
                       <m:e>
                         <m:r>
-                          <a:rPr lang="en-US" sz="1600" b="0" i="1" smtClean="0">
+                          <a:rPr lang="en-US" sz="1800" b="0" i="1" smtClean="0">
                             <a:latin typeface="Cambria Math" panose="02040503050406030204" pitchFamily="18" charset="0"/>
                           </a:rPr>
                           <m:t>𝑥</m:t>
@@ -8791,7 +9703,7 @@
                       </m:e>
                       <m:sup>
                         <m:r>
-                          <a:rPr lang="en-US" sz="1600" b="0" i="1" smtClean="0">
+                          <a:rPr lang="en-US" sz="1800" b="0" i="1" smtClean="0">
                             <a:latin typeface="Cambria Math" panose="02040503050406030204" pitchFamily="18" charset="0"/>
                           </a:rPr>
                           <m:t>2</m:t>
@@ -8799,7 +9711,7 @@
                       </m:sup>
                     </m:sSup>
                     <m:r>
-                      <a:rPr lang="en-US" sz="1600" b="0" i="1" smtClean="0">
+                      <a:rPr lang="en-US" sz="1800" b="0" i="1" smtClean="0">
                         <a:latin typeface="Cambria Math" panose="02040503050406030204" pitchFamily="18" charset="0"/>
                       </a:rPr>
                       <m:t>+10</m:t>
@@ -8808,25 +9720,25 @@
                       <m:rPr>
                         <m:sty m:val="p"/>
                       </m:rPr>
-                      <a:rPr lang="en-US" sz="1600" b="0" i="0" smtClean="0">
+                      <a:rPr lang="en-US" sz="1800" b="0" i="0" smtClean="0">
                         <a:latin typeface="Cambria Math" panose="02040503050406030204" pitchFamily="18" charset="0"/>
                       </a:rPr>
                       <m:t>sin</m:t>
                     </m:r>
                     <m:r>
-                      <a:rPr lang="en-US" sz="1600" b="0" i="1" smtClean="0">
+                      <a:rPr lang="en-US" sz="1800" b="0" i="1" smtClean="0">
                         <a:latin typeface="Cambria Math" panose="02040503050406030204" pitchFamily="18" charset="0"/>
                       </a:rPr>
                       <m:t>⁡(</m:t>
                     </m:r>
                     <m:r>
-                      <a:rPr lang="en-US" sz="1600" b="0" i="1" smtClean="0">
+                      <a:rPr lang="en-US" sz="1800" b="0" i="1" smtClean="0">
                         <a:latin typeface="Cambria Math" panose="02040503050406030204" pitchFamily="18" charset="0"/>
                       </a:rPr>
                       <m:t>𝑥</m:t>
                     </m:r>
                     <m:r>
-                      <a:rPr lang="en-US" sz="1600" b="0" i="1" smtClean="0">
+                      <a:rPr lang="en-US" sz="1800" b="0" i="1" smtClean="0">
                         <a:latin typeface="Cambria Math" panose="02040503050406030204" pitchFamily="18" charset="0"/>
                       </a:rPr>
                       <m:t>)</m:t>
@@ -8834,7 +9746,7 @@
                   </m:oMath>
                 </a14:m>
                 <a:r>
-                  <a:rPr lang="en-US" sz="1600" dirty="0" smtClean="0"/>
+                  <a:rPr lang="en-US" sz="1800" dirty="0" smtClean="0"/>
                   <a:t>. </a:t>
                 </a:r>
               </a:p>
@@ -9444,7 +10356,7 @@
             </p:txBody>
           </p:sp>
         </mc:Choice>
-        <mc:Fallback xmlns="">
+        <mc:Fallback>
           <p:sp>
             <p:nvSpPr>
               <p:cNvPr id="3" name="Content Placeholder 2"/>
@@ -9564,7 +10476,7 @@
         </p:blipFill>
         <p:spPr>
           <a:xfrm>
-            <a:off x="5076722" y="1872228"/>
+            <a:off x="5352767" y="1991493"/>
             <a:ext cx="2954274" cy="3696310"/>
           </a:xfrm>
           <a:prstGeom prst="rect">
@@ -9572,8 +10484,8 @@
           </a:prstGeom>
         </p:spPr>
       </p:pic>
-      <mc:AlternateContent xmlns:mc="http://schemas.openxmlformats.org/markup-compatibility/2006" xmlns:a14="http://schemas.microsoft.com/office/drawing/2010/main">
-        <mc:Choice Requires="a14">
+      <mc:AlternateContent xmlns:mc="http://schemas.openxmlformats.org/markup-compatibility/2006">
+        <mc:Choice xmlns:a14="http://schemas.microsoft.com/office/drawing/2010/main" Requires="a14">
           <p:sp>
             <p:nvSpPr>
               <p:cNvPr id="7" name="TextBox 6"/>
@@ -9582,7 +10494,7 @@
             </p:nvSpPr>
             <p:spPr>
               <a:xfrm>
-                <a:off x="5587701" y="5886211"/>
+                <a:off x="5863746" y="5877081"/>
                 <a:ext cx="1932316" cy="276999"/>
               </a:xfrm>
               <a:prstGeom prst="rect">
@@ -9677,7 +10589,7 @@
             </p:txBody>
           </p:sp>
         </mc:Choice>
-        <mc:Fallback xmlns="">
+        <mc:Fallback>
           <p:sp>
             <p:nvSpPr>
               <p:cNvPr id="7" name="TextBox 6"/>
@@ -9688,7 +10600,7 @@
             </p:nvSpPr>
             <p:spPr>
               <a:xfrm>
-                <a:off x="5587701" y="5886211"/>
+                <a:off x="5863746" y="5877081"/>
                 <a:ext cx="1932316" cy="276999"/>
               </a:xfrm>
               <a:prstGeom prst="rect">
@@ -9697,7 +10609,7 @@
               <a:blipFill>
                 <a:blip r:embed="rId5"/>
                 <a:stretch>
-                  <a:fillRect t="-2222" b="-17778"/>
+                  <a:fillRect b="-15217"/>
                 </a:stretch>
               </a:blipFill>
             </p:spPr>
@@ -9943,30 +10855,1081 @@
           </a:p>
         </p:txBody>
       </p:sp>
-      <p:sp>
-        <p:nvSpPr>
-          <p:cNvPr id="3" name="Content Placeholder 2"/>
-          <p:cNvSpPr>
-            <a:spLocks noGrp="1"/>
-          </p:cNvSpPr>
-          <p:nvPr>
-            <p:ph idx="1"/>
-          </p:nvPr>
-        </p:nvSpPr>
-        <p:spPr/>
-        <p:txBody>
-          <a:bodyPr>
-            <a:normAutofit/>
-          </a:bodyPr>
-          <a:lstStyle/>
-          <a:p>
-            <a:pPr marL="0" lvl="1" indent="0">
-              <a:buNone/>
-            </a:pPr>
-            <a:endParaRPr lang="en-US" sz="1200" dirty="0" smtClean="0"/>
-          </a:p>
-        </p:txBody>
-      </p:sp>
+      <mc:AlternateContent xmlns:mc="http://schemas.openxmlformats.org/markup-compatibility/2006">
+        <mc:Choice xmlns:a14="http://schemas.microsoft.com/office/drawing/2010/main" Requires="a14">
+          <p:sp>
+            <p:nvSpPr>
+              <p:cNvPr id="3" name="Content Placeholder 2"/>
+              <p:cNvSpPr>
+                <a:spLocks noGrp="1"/>
+              </p:cNvSpPr>
+              <p:nvPr>
+                <p:ph idx="1"/>
+              </p:nvPr>
+            </p:nvSpPr>
+            <p:spPr/>
+            <p:txBody>
+              <a:bodyPr>
+                <a:normAutofit/>
+              </a:bodyPr>
+              <a:lstStyle/>
+              <a:p>
+                <a:pPr>
+                  <a:buFont typeface="Wingdings" panose="05000000000000000000" pitchFamily="2" charset="2"/>
+                  <a:buChar char="§"/>
+                </a:pPr>
+                <a:r>
+                  <a:rPr lang="en-US" sz="1800" dirty="0" smtClean="0"/>
+                  <a:t>Gradient Descent </a:t>
+                </a:r>
+                <a:r>
+                  <a:rPr lang="en-US" sz="1800" dirty="0" err="1"/>
+                  <a:t>với</a:t>
+                </a:r>
+                <a:r>
+                  <a:rPr lang="en-US" sz="1800" dirty="0"/>
+                  <a:t> </a:t>
+                </a:r>
+                <a:r>
+                  <a:rPr lang="en-US" sz="1800" dirty="0" smtClean="0"/>
+                  <a:t>Momentum</a:t>
+                </a:r>
+              </a:p>
+              <a:p>
+                <a:pPr lvl="1"/>
+                <a:r>
+                  <a:rPr lang="en-US" sz="1400" dirty="0" err="1" smtClean="0"/>
+                  <a:t>Tối</a:t>
+                </a:r>
+                <a:r>
+                  <a:rPr lang="en-US" sz="1400" dirty="0" smtClean="0"/>
+                  <a:t> </a:t>
+                </a:r>
+                <a:r>
+                  <a:rPr lang="en-US" sz="1400" dirty="0" err="1" smtClean="0"/>
+                  <a:t>ưu</a:t>
+                </a:r>
+                <a:r>
+                  <a:rPr lang="en-US" sz="1400" dirty="0" smtClean="0"/>
+                  <a:t> </a:t>
+                </a:r>
+                <a:r>
+                  <a:rPr lang="en-US" sz="1400" dirty="0" err="1" smtClean="0"/>
+                  <a:t>thuật</a:t>
+                </a:r>
+                <a:r>
+                  <a:rPr lang="en-US" sz="1400" dirty="0" smtClean="0"/>
+                  <a:t> </a:t>
+                </a:r>
+                <a:r>
+                  <a:rPr lang="en-US" sz="1400" dirty="0" err="1" smtClean="0"/>
+                  <a:t>toán</a:t>
+                </a:r>
+                <a:r>
+                  <a:rPr lang="en-US" sz="1400" dirty="0" smtClean="0"/>
+                  <a:t> </a:t>
+                </a:r>
+                <a:r>
+                  <a:rPr lang="en-US" sz="1400" dirty="0" err="1" smtClean="0"/>
+                  <a:t>bằng</a:t>
+                </a:r>
+                <a:r>
+                  <a:rPr lang="en-US" sz="1400" dirty="0" smtClean="0"/>
+                  <a:t> </a:t>
+                </a:r>
+                <a:r>
+                  <a:rPr lang="en-US" sz="1400" dirty="0" err="1" smtClean="0"/>
+                  <a:t>cách</a:t>
+                </a:r>
+                <a:r>
+                  <a:rPr lang="en-US" sz="1400" dirty="0" smtClean="0"/>
+                  <a:t> </a:t>
+                </a:r>
+                <a:r>
+                  <a:rPr lang="en-US" sz="1400" dirty="0" err="1" smtClean="0"/>
+                  <a:t>chúng</a:t>
+                </a:r>
+                <a:r>
+                  <a:rPr lang="en-US" sz="1400" dirty="0" smtClean="0"/>
+                  <a:t> ta </a:t>
+                </a:r>
+                <a:r>
+                  <a:rPr lang="en-US" sz="1400" dirty="0" err="1" smtClean="0"/>
+                  <a:t>sẽ</a:t>
+                </a:r>
+                <a:r>
+                  <a:rPr lang="en-US" sz="1400" dirty="0" smtClean="0"/>
+                  <a:t> </a:t>
+                </a:r>
+                <a:r>
+                  <a:rPr lang="en-US" sz="1400" dirty="0" err="1" smtClean="0"/>
+                  <a:t>cộng</a:t>
+                </a:r>
+                <a:r>
+                  <a:rPr lang="en-US" sz="1400" dirty="0" smtClean="0"/>
+                  <a:t> them 1 </a:t>
+                </a:r>
+                <a:r>
+                  <a:rPr lang="en-US" sz="1400" dirty="0" err="1" smtClean="0"/>
+                  <a:t>động</a:t>
+                </a:r>
+                <a:r>
+                  <a:rPr lang="en-US" sz="1400" dirty="0" smtClean="0"/>
+                  <a:t> </a:t>
+                </a:r>
+                <a:r>
+                  <a:rPr lang="en-US" sz="1400" dirty="0" err="1" smtClean="0"/>
+                  <a:t>lượng</a:t>
+                </a:r>
+                <a:r>
+                  <a:rPr lang="en-US" sz="1400" dirty="0" smtClean="0"/>
+                  <a:t> </a:t>
+                </a:r>
+                <a:r>
+                  <a:rPr lang="en-US" sz="1400" dirty="0" err="1" smtClean="0"/>
+                  <a:t>để</a:t>
+                </a:r>
+                <a:r>
+                  <a:rPr lang="en-US" sz="1400" dirty="0" smtClean="0"/>
+                  <a:t> </a:t>
+                </a:r>
+                <a:r>
+                  <a:rPr lang="en-US" sz="1400" dirty="0" err="1" smtClean="0"/>
+                  <a:t>tìm</a:t>
+                </a:r>
+                <a:r>
+                  <a:rPr lang="en-US" sz="1400" dirty="0" smtClean="0"/>
+                  <a:t> </a:t>
+                </a:r>
+                <a:r>
+                  <a:rPr lang="en-US" sz="1400" dirty="0" err="1" smtClean="0"/>
+                  <a:t>được</a:t>
+                </a:r>
+                <a:r>
+                  <a:rPr lang="en-US" sz="1400" dirty="0" smtClean="0"/>
+                  <a:t> </a:t>
+                </a:r>
+                <a:r>
+                  <a:rPr lang="en-US" sz="1400" dirty="0" err="1" smtClean="0"/>
+                  <a:t>điểm</a:t>
+                </a:r>
+                <a:r>
+                  <a:rPr lang="en-US" sz="1400" dirty="0" smtClean="0"/>
+                  <a:t> </a:t>
+                </a:r>
+                <a:r>
+                  <a:rPr lang="en-US" sz="1400" dirty="0" err="1" smtClean="0"/>
+                  <a:t>tối</a:t>
+                </a:r>
+                <a:r>
+                  <a:rPr lang="en-US" sz="1400" dirty="0" smtClean="0"/>
+                  <a:t> </a:t>
+                </a:r>
+                <a:r>
+                  <a:rPr lang="en-US" sz="1400" dirty="0" err="1" smtClean="0"/>
+                  <a:t>ưu</a:t>
+                </a:r>
+                <a:r>
+                  <a:rPr lang="en-US" sz="1400" dirty="0" smtClean="0"/>
+                  <a:t> </a:t>
+                </a:r>
+                <a:r>
+                  <a:rPr lang="en-US" sz="1400" dirty="0" err="1" smtClean="0"/>
+                  <a:t>của</a:t>
+                </a:r>
+                <a:r>
+                  <a:rPr lang="en-US" sz="1400" dirty="0" smtClean="0"/>
+                  <a:t> </a:t>
+                </a:r>
+                <a:r>
+                  <a:rPr lang="en-US" sz="1400" dirty="0" err="1" smtClean="0"/>
+                  <a:t>bài</a:t>
+                </a:r>
+                <a:r>
+                  <a:rPr lang="en-US" sz="1400" dirty="0" smtClean="0"/>
+                  <a:t> </a:t>
+                </a:r>
+                <a:r>
+                  <a:rPr lang="en-US" sz="1400" dirty="0" err="1" smtClean="0"/>
+                  <a:t>toán</a:t>
+                </a:r>
+                <a:endParaRPr lang="en-US" sz="1400" dirty="0" smtClean="0"/>
+              </a:p>
+              <a:p>
+                <a:pPr lvl="1"/>
+                <a:r>
+                  <a:rPr lang="en-US" sz="1400" dirty="0" err="1" smtClean="0"/>
+                  <a:t>Các</a:t>
+                </a:r>
+                <a:r>
+                  <a:rPr lang="en-US" sz="1400" dirty="0" smtClean="0"/>
+                  <a:t> </a:t>
+                </a:r>
+                <a:r>
+                  <a:rPr lang="en-US" sz="1400" dirty="0" err="1" smtClean="0"/>
+                  <a:t>bước</a:t>
+                </a:r>
+                <a:r>
+                  <a:rPr lang="en-US" sz="1400" dirty="0" smtClean="0"/>
+                  <a:t>:</a:t>
+                </a:r>
+              </a:p>
+              <a:p>
+                <a:pPr lvl="2"/>
+                <a:r>
+                  <a:rPr lang="en-US" sz="1200" dirty="0" err="1" smtClean="0"/>
+                  <a:t>Sau</a:t>
+                </a:r>
+                <a:r>
+                  <a:rPr lang="en-US" sz="1200" dirty="0" smtClean="0"/>
+                  <a:t> </a:t>
+                </a:r>
+                <a:r>
+                  <a:rPr lang="en-US" sz="1200" dirty="0" err="1" smtClean="0"/>
+                  <a:t>mỗi</a:t>
+                </a:r>
+                <a:r>
+                  <a:rPr lang="en-US" sz="1200" dirty="0" smtClean="0"/>
+                  <a:t> </a:t>
+                </a:r>
+                <a:r>
+                  <a:rPr lang="en-US" sz="1200" dirty="0" err="1" smtClean="0"/>
+                  <a:t>lần</a:t>
+                </a:r>
+                <a:r>
+                  <a:rPr lang="en-US" sz="1200" dirty="0" smtClean="0"/>
+                  <a:t> </a:t>
+                </a:r>
+                <a:r>
+                  <a:rPr lang="en-US" sz="1200" dirty="0" err="1" smtClean="0"/>
+                  <a:t>lặp</a:t>
+                </a:r>
+                <a:r>
+                  <a:rPr lang="en-US" sz="1200" dirty="0" smtClean="0"/>
+                  <a:t> </a:t>
+                </a:r>
+                <a:r>
+                  <a:rPr lang="en-US" sz="1200" dirty="0" err="1" smtClean="0"/>
+                  <a:t>lại</a:t>
+                </a:r>
+                <a:r>
+                  <a:rPr lang="en-US" sz="1200" dirty="0" smtClean="0"/>
+                  <a:t>, </a:t>
+                </a:r>
+                <a:r>
+                  <a:rPr lang="en-US" sz="1200" dirty="0" err="1" smtClean="0"/>
+                  <a:t>chúng</a:t>
+                </a:r>
+                <a:r>
+                  <a:rPr lang="en-US" sz="1200" dirty="0" smtClean="0"/>
+                  <a:t> ta </a:t>
+                </a:r>
+                <a:r>
+                  <a:rPr lang="en-US" sz="1200" dirty="0" err="1" smtClean="0"/>
+                  <a:t>sẽ</a:t>
+                </a:r>
+                <a:r>
+                  <a:rPr lang="en-US" sz="1000" dirty="0" smtClean="0"/>
+                  <a:t> </a:t>
+                </a:r>
+                <a:r>
+                  <a:rPr lang="vi-VN" sz="1200" dirty="0" smtClean="0"/>
+                  <a:t>thay đổi </a:t>
+                </a:r>
+                <a:r>
+                  <a:rPr lang="en-US" sz="1200" dirty="0" err="1" smtClean="0"/>
+                  <a:t>một</a:t>
+                </a:r>
+                <a:r>
+                  <a:rPr lang="en-US" sz="1200" dirty="0" smtClean="0"/>
+                  <a:t> </a:t>
+                </a:r>
+                <a:r>
+                  <a:rPr lang="en-US" sz="1200" dirty="0" err="1" smtClean="0"/>
+                  <a:t>lượng</a:t>
+                </a:r>
+                <a:r>
+                  <a:rPr lang="en-US" sz="1200" dirty="0" smtClean="0"/>
+                  <a:t> </a:t>
+                </a:r>
+                <a:r>
+                  <a:rPr lang="vi-VN" sz="1200" dirty="0" smtClean="0"/>
+                  <a:t>được sử dụng ở thời điểm trước đó (t-1) được trọng số bởi siêu tham số động lượng</a:t>
+                </a:r>
+                <a:endParaRPr lang="en-US" sz="1200" dirty="0" smtClean="0"/>
+              </a:p>
+              <a:p>
+                <a:pPr marL="914400" lvl="2" indent="0">
+                  <a:buNone/>
+                </a:pPr>
+                <a14:m>
+                  <m:oMathPara xmlns:m="http://schemas.openxmlformats.org/officeDocument/2006/math">
+                    <m:oMathParaPr>
+                      <m:jc m:val="center"/>
+                    </m:oMathParaPr>
+                    <m:oMath xmlns:m="http://schemas.openxmlformats.org/officeDocument/2006/math">
+                      <m:sSub>
+                        <m:sSubPr>
+                          <m:ctrlPr>
+                            <a:rPr lang="en-US" sz="1200" i="1" smtClean="0">
+                              <a:latin typeface="Cambria Math" panose="02040503050406030204" pitchFamily="18" charset="0"/>
+                            </a:rPr>
+                          </m:ctrlPr>
+                        </m:sSubPr>
+                        <m:e>
+                          <m:r>
+                            <a:rPr lang="en-US" sz="1200" b="0" i="1" smtClean="0">
+                              <a:latin typeface="Cambria Math" panose="02040503050406030204" pitchFamily="18" charset="0"/>
+                            </a:rPr>
+                            <m:t>𝑣</m:t>
+                          </m:r>
+                        </m:e>
+                        <m:sub>
+                          <m:r>
+                            <a:rPr lang="en-US" sz="1200" b="0" i="1" smtClean="0">
+                              <a:latin typeface="Cambria Math" panose="02040503050406030204" pitchFamily="18" charset="0"/>
+                            </a:rPr>
+                            <m:t>𝑡</m:t>
+                          </m:r>
+                          <m:r>
+                            <a:rPr lang="en-US" sz="1200" b="0" i="1" smtClean="0">
+                              <a:latin typeface="Cambria Math" panose="02040503050406030204" pitchFamily="18" charset="0"/>
+                            </a:rPr>
+                            <m:t> </m:t>
+                          </m:r>
+                        </m:sub>
+                      </m:sSub>
+                      <m:r>
+                        <a:rPr lang="en-US" sz="1200" b="0" i="1" smtClean="0">
+                          <a:latin typeface="Cambria Math" panose="02040503050406030204" pitchFamily="18" charset="0"/>
+                        </a:rPr>
+                        <m:t>= </m:t>
+                      </m:r>
+                      <m:sSub>
+                        <m:sSubPr>
+                          <m:ctrlPr>
+                            <a:rPr lang="en-US" sz="1200" b="0" i="1" smtClean="0">
+                              <a:latin typeface="Cambria Math" panose="02040503050406030204" pitchFamily="18" charset="0"/>
+                            </a:rPr>
+                          </m:ctrlPr>
+                        </m:sSubPr>
+                        <m:e>
+                          <m:r>
+                            <a:rPr lang="en-US" sz="1200" b="0" i="1" smtClean="0">
+                              <a:latin typeface="Cambria Math" panose="02040503050406030204" pitchFamily="18" charset="0"/>
+                            </a:rPr>
+                            <m:t>𝑣</m:t>
+                          </m:r>
+                        </m:e>
+                        <m:sub>
+                          <m:r>
+                            <a:rPr lang="en-US" sz="1200" b="0" i="1" smtClean="0">
+                              <a:latin typeface="Cambria Math" panose="02040503050406030204" pitchFamily="18" charset="0"/>
+                            </a:rPr>
+                            <m:t>𝑡</m:t>
+                          </m:r>
+                          <m:r>
+                            <a:rPr lang="en-US" sz="1200" b="0" i="1" smtClean="0">
+                              <a:latin typeface="Cambria Math" panose="02040503050406030204" pitchFamily="18" charset="0"/>
+                            </a:rPr>
+                            <m:t>−1</m:t>
+                          </m:r>
+                        </m:sub>
+                      </m:sSub>
+                      <m:r>
+                        <a:rPr lang="en-US" sz="1200" b="0" i="1" smtClean="0">
+                          <a:latin typeface="Cambria Math" panose="02040503050406030204" pitchFamily="18" charset="0"/>
+                        </a:rPr>
+                        <m:t>∗</m:t>
+                      </m:r>
+                      <m:r>
+                        <a:rPr lang="en-US" sz="1200" b="0" i="1" smtClean="0">
+                          <a:latin typeface="Cambria Math" panose="02040503050406030204" pitchFamily="18" charset="0"/>
+                          <a:ea typeface="Cambria Math" panose="02040503050406030204" pitchFamily="18" charset="0"/>
+                        </a:rPr>
+                        <m:t>𝛾</m:t>
+                      </m:r>
+                      <m:r>
+                        <a:rPr lang="en-US" sz="1200" b="0" i="1" smtClean="0">
+                          <a:latin typeface="Cambria Math" panose="02040503050406030204" pitchFamily="18" charset="0"/>
+                          <a:ea typeface="Cambria Math" panose="02040503050406030204" pitchFamily="18" charset="0"/>
+                        </a:rPr>
+                        <m:t>+ </m:t>
+                      </m:r>
+                      <m:r>
+                        <a:rPr lang="en-US" sz="1200" b="0" i="1" smtClean="0">
+                          <a:latin typeface="Cambria Math" panose="02040503050406030204" pitchFamily="18" charset="0"/>
+                          <a:ea typeface="Cambria Math" panose="02040503050406030204" pitchFamily="18" charset="0"/>
+                        </a:rPr>
+                        <m:t>𝛼</m:t>
+                      </m:r>
+                      <m:r>
+                        <a:rPr lang="en-US" sz="1200" b="0" i="1" smtClean="0">
+                          <a:latin typeface="Cambria Math" panose="02040503050406030204" pitchFamily="18" charset="0"/>
+                          <a:ea typeface="Cambria Math" panose="02040503050406030204" pitchFamily="18" charset="0"/>
+                        </a:rPr>
+                        <m:t>∗</m:t>
+                      </m:r>
+                      <m:sSup>
+                        <m:sSupPr>
+                          <m:ctrlPr>
+                            <a:rPr lang="en-US" sz="1200" b="0" i="1" smtClean="0">
+                              <a:latin typeface="Cambria Math" panose="02040503050406030204" pitchFamily="18" charset="0"/>
+                              <a:ea typeface="Cambria Math" panose="02040503050406030204" pitchFamily="18" charset="0"/>
+                            </a:rPr>
+                          </m:ctrlPr>
+                        </m:sSupPr>
+                        <m:e>
+                          <m:r>
+                            <a:rPr lang="en-US" sz="1200" b="0" i="1" smtClean="0">
+                              <a:latin typeface="Cambria Math" panose="02040503050406030204" pitchFamily="18" charset="0"/>
+                              <a:ea typeface="Cambria Math" panose="02040503050406030204" pitchFamily="18" charset="0"/>
+                            </a:rPr>
+                            <m:t>𝑓</m:t>
+                          </m:r>
+                        </m:e>
+                        <m:sup>
+                          <m:r>
+                            <a:rPr lang="en-US" sz="1200" b="0" i="1" smtClean="0">
+                              <a:latin typeface="Cambria Math" panose="02040503050406030204" pitchFamily="18" charset="0"/>
+                              <a:ea typeface="Cambria Math" panose="02040503050406030204" pitchFamily="18" charset="0"/>
+                            </a:rPr>
+                            <m:t>′</m:t>
+                          </m:r>
+                        </m:sup>
+                      </m:sSup>
+                      <m:r>
+                        <a:rPr lang="en-US" sz="1200" b="0" i="1" smtClean="0">
+                          <a:latin typeface="Cambria Math" panose="02040503050406030204" pitchFamily="18" charset="0"/>
+                          <a:ea typeface="Cambria Math" panose="02040503050406030204" pitchFamily="18" charset="0"/>
+                        </a:rPr>
+                        <m:t>(</m:t>
+                      </m:r>
+                      <m:r>
+                        <a:rPr lang="en-US" sz="1200" b="0" i="1" smtClean="0">
+                          <a:latin typeface="Cambria Math" panose="02040503050406030204" pitchFamily="18" charset="0"/>
+                          <a:ea typeface="Cambria Math" panose="02040503050406030204" pitchFamily="18" charset="0"/>
+                        </a:rPr>
+                        <m:t>𝑡</m:t>
+                      </m:r>
+                      <m:r>
+                        <a:rPr lang="en-US" sz="1200" b="0" i="1" smtClean="0">
+                          <a:latin typeface="Cambria Math" panose="02040503050406030204" pitchFamily="18" charset="0"/>
+                          <a:ea typeface="Cambria Math" panose="02040503050406030204" pitchFamily="18" charset="0"/>
+                        </a:rPr>
+                        <m:t>−1)</m:t>
+                      </m:r>
+                    </m:oMath>
+                  </m:oMathPara>
+                </a14:m>
+                <a:endParaRPr lang="en-US" sz="1200" dirty="0" smtClean="0"/>
+              </a:p>
+              <a:p>
+                <a:pPr>
+                  <a:buFont typeface="Wingdings" panose="05000000000000000000" pitchFamily="2" charset="2"/>
+                  <a:buChar char="§"/>
+                </a:pPr>
+                <a:r>
+                  <a:rPr lang="en-US" sz="1800" dirty="0" err="1"/>
+                  <a:t>Nesterov</a:t>
+                </a:r>
+                <a:r>
+                  <a:rPr lang="en-US" sz="1800" dirty="0"/>
+                  <a:t> accelerated gradient (NAG</a:t>
+                </a:r>
+                <a:r>
+                  <a:rPr lang="en-US" sz="1800" dirty="0" smtClean="0"/>
+                  <a:t>)</a:t>
+                </a:r>
+              </a:p>
+              <a:p>
+                <a:pPr lvl="1"/>
+                <a:r>
+                  <a:rPr lang="en-US" sz="1400" dirty="0" err="1" smtClean="0"/>
+                  <a:t>Dự</a:t>
+                </a:r>
+                <a:r>
+                  <a:rPr lang="en-US" sz="1400" dirty="0" smtClean="0"/>
+                  <a:t> </a:t>
+                </a:r>
+                <a:r>
+                  <a:rPr lang="en-US" sz="1400" dirty="0" err="1" smtClean="0"/>
+                  <a:t>đoán</a:t>
+                </a:r>
+                <a:r>
+                  <a:rPr lang="en-US" sz="1400" dirty="0" smtClean="0"/>
+                  <a:t> </a:t>
+                </a:r>
+                <a:r>
+                  <a:rPr lang="en-US" sz="1400" dirty="0" err="1" smtClean="0"/>
+                  <a:t>hướng</a:t>
+                </a:r>
+                <a:r>
+                  <a:rPr lang="en-US" sz="1400" dirty="0" smtClean="0"/>
+                  <a:t> </a:t>
+                </a:r>
+                <a:r>
+                  <a:rPr lang="en-US" sz="1400" dirty="0" err="1" smtClean="0"/>
+                  <a:t>đi</a:t>
+                </a:r>
+                <a:r>
+                  <a:rPr lang="en-US" sz="1400" dirty="0" smtClean="0"/>
+                  <a:t> </a:t>
+                </a:r>
+                <a:r>
+                  <a:rPr lang="en-US" sz="1400" dirty="0" err="1" smtClean="0"/>
+                  <a:t>tiếp</a:t>
+                </a:r>
+                <a:r>
+                  <a:rPr lang="en-US" sz="1400" dirty="0" smtClean="0"/>
+                  <a:t> </a:t>
+                </a:r>
+                <a:r>
+                  <a:rPr lang="en-US" sz="1400" dirty="0" err="1" smtClean="0"/>
+                  <a:t>theo</a:t>
+                </a:r>
+                <a:r>
+                  <a:rPr lang="en-US" sz="1400" dirty="0" smtClean="0"/>
+                  <a:t> </a:t>
+                </a:r>
+                <a:r>
+                  <a:rPr lang="en-US" sz="1400" dirty="0" err="1" smtClean="0"/>
+                  <a:t>của</a:t>
+                </a:r>
+                <a:r>
+                  <a:rPr lang="en-US" sz="1400" dirty="0" smtClean="0"/>
+                  <a:t> </a:t>
+                </a:r>
+                <a:r>
+                  <a:rPr lang="en-US" sz="1400" dirty="0" err="1" smtClean="0"/>
+                  <a:t>điểm</a:t>
+                </a:r>
+                <a:r>
+                  <a:rPr lang="en-US" sz="1400" dirty="0" smtClean="0"/>
+                  <a:t> </a:t>
+                </a:r>
+                <a:r>
+                  <a:rPr lang="en-US" sz="1400" dirty="0" err="1" smtClean="0"/>
+                  <a:t>dữ</a:t>
+                </a:r>
+                <a:r>
+                  <a:rPr lang="en-US" sz="1400" dirty="0" smtClean="0"/>
+                  <a:t> </a:t>
+                </a:r>
+                <a:r>
+                  <a:rPr lang="en-US" sz="1400" dirty="0" err="1" smtClean="0"/>
+                  <a:t>liệu</a:t>
+                </a:r>
+                <a:endParaRPr lang="en-US" sz="1400" dirty="0" smtClean="0"/>
+              </a:p>
+              <a:p>
+                <a:pPr lvl="1"/>
+                <a:r>
+                  <a:rPr lang="en-US" sz="1400" dirty="0" err="1" smtClean="0"/>
+                  <a:t>Thuật</a:t>
+                </a:r>
+                <a:r>
+                  <a:rPr lang="en-US" sz="1400" dirty="0" smtClean="0"/>
+                  <a:t> </a:t>
+                </a:r>
+                <a:r>
+                  <a:rPr lang="en-US" sz="1400" dirty="0" err="1" smtClean="0"/>
+                  <a:t>toán</a:t>
+                </a:r>
+                <a:r>
+                  <a:rPr lang="en-US" sz="1400" dirty="0" smtClean="0"/>
+                  <a:t>:</a:t>
+                </a:r>
+              </a:p>
+              <a:p>
+                <a:pPr lvl="2"/>
+                <a14:m>
+                  <m:oMath xmlns:m="http://schemas.openxmlformats.org/officeDocument/2006/math">
+                    <m:r>
+                      <a:rPr lang="en-US" sz="1200" b="0" i="1" smtClean="0">
+                        <a:latin typeface="Cambria Math" panose="02040503050406030204" pitchFamily="18" charset="0"/>
+                      </a:rPr>
+                      <m:t>𝑝𝑟𝑜𝑗𝑒𝑐𝑡𝑖𝑜𝑛</m:t>
+                    </m:r>
+                    <m:d>
+                      <m:dPr>
+                        <m:ctrlPr>
+                          <a:rPr lang="en-US" sz="1200" b="0" i="1" smtClean="0">
+                            <a:latin typeface="Cambria Math" panose="02040503050406030204" pitchFamily="18" charset="0"/>
+                          </a:rPr>
+                        </m:ctrlPr>
+                      </m:dPr>
+                      <m:e>
+                        <m:r>
+                          <a:rPr lang="en-US" sz="1200" b="0" i="1" smtClean="0">
+                            <a:latin typeface="Cambria Math" panose="02040503050406030204" pitchFamily="18" charset="0"/>
+                          </a:rPr>
+                          <m:t>𝑡</m:t>
+                        </m:r>
+                        <m:r>
+                          <a:rPr lang="en-US" sz="1200" b="0" i="1" smtClean="0">
+                            <a:latin typeface="Cambria Math" panose="02040503050406030204" pitchFamily="18" charset="0"/>
+                          </a:rPr>
+                          <m:t>+1</m:t>
+                        </m:r>
+                      </m:e>
+                    </m:d>
+                    <m:r>
+                      <a:rPr lang="en-US" sz="1200" b="0" i="1" smtClean="0">
+                        <a:latin typeface="Cambria Math" panose="02040503050406030204" pitchFamily="18" charset="0"/>
+                      </a:rPr>
+                      <m:t>=</m:t>
+                    </m:r>
+                    <m:r>
+                      <a:rPr lang="en-US" sz="1200" b="0" i="1" smtClean="0">
+                        <a:latin typeface="Cambria Math" panose="02040503050406030204" pitchFamily="18" charset="0"/>
+                      </a:rPr>
+                      <m:t>𝑥</m:t>
+                    </m:r>
+                    <m:d>
+                      <m:dPr>
+                        <m:ctrlPr>
+                          <a:rPr lang="en-US" sz="1200" b="0" i="1" smtClean="0">
+                            <a:latin typeface="Cambria Math" panose="02040503050406030204" pitchFamily="18" charset="0"/>
+                          </a:rPr>
+                        </m:ctrlPr>
+                      </m:dPr>
+                      <m:e>
+                        <m:r>
+                          <a:rPr lang="en-US" sz="1200" b="0" i="1" smtClean="0">
+                            <a:latin typeface="Cambria Math" panose="02040503050406030204" pitchFamily="18" charset="0"/>
+                          </a:rPr>
+                          <m:t>𝑡</m:t>
+                        </m:r>
+                      </m:e>
+                    </m:d>
+                    <m:r>
+                      <a:rPr lang="en-US" sz="1200" b="0" i="1" smtClean="0">
+                        <a:latin typeface="Cambria Math" panose="02040503050406030204" pitchFamily="18" charset="0"/>
+                      </a:rPr>
+                      <m:t>+</m:t>
+                    </m:r>
+                    <m:r>
+                      <a:rPr lang="en-US" sz="1200" b="0" i="1" smtClean="0">
+                        <a:latin typeface="Cambria Math" panose="02040503050406030204" pitchFamily="18" charset="0"/>
+                      </a:rPr>
+                      <m:t>𝑚𝑜𝑚𝑒𝑛𝑡𝑢𝑚</m:t>
+                    </m:r>
+                    <m:r>
+                      <a:rPr lang="en-US" sz="1200" b="0" i="1" smtClean="0">
+                        <a:latin typeface="Cambria Math" panose="02040503050406030204" pitchFamily="18" charset="0"/>
+                      </a:rPr>
+                      <m:t>∗</m:t>
+                    </m:r>
+                    <m:r>
+                      <a:rPr lang="en-US" sz="1200" b="0" i="1" smtClean="0">
+                        <a:latin typeface="Cambria Math" panose="02040503050406030204" pitchFamily="18" charset="0"/>
+                      </a:rPr>
+                      <m:t>𝑐h𝑎𝑛𝑔𝑒</m:t>
+                    </m:r>
+                    <m:d>
+                      <m:dPr>
+                        <m:ctrlPr>
+                          <a:rPr lang="en-US" sz="1200" b="0" i="1" smtClean="0">
+                            <a:latin typeface="Cambria Math" panose="02040503050406030204" pitchFamily="18" charset="0"/>
+                          </a:rPr>
+                        </m:ctrlPr>
+                      </m:dPr>
+                      <m:e>
+                        <m:r>
+                          <a:rPr lang="en-US" sz="1200" b="0" i="1" smtClean="0">
+                            <a:latin typeface="Cambria Math" panose="02040503050406030204" pitchFamily="18" charset="0"/>
+                          </a:rPr>
+                          <m:t>𝑡</m:t>
+                        </m:r>
+                      </m:e>
+                    </m:d>
+                  </m:oMath>
+                </a14:m>
+                <a:endParaRPr lang="en-US" sz="1200" b="0" dirty="0" smtClean="0"/>
+              </a:p>
+              <a:p>
+                <a:pPr lvl="2"/>
+                <a14:m>
+                  <m:oMath xmlns:m="http://schemas.openxmlformats.org/officeDocument/2006/math">
+                    <m:r>
+                      <a:rPr lang="en-US" sz="1200" b="0" i="1" smtClean="0">
+                        <a:latin typeface="Cambria Math" panose="02040503050406030204" pitchFamily="18" charset="0"/>
+                      </a:rPr>
+                      <m:t>𝑔𝑟𝑎𝑑𝑖𝑒𝑛𝑡</m:t>
+                    </m:r>
+                    <m:d>
+                      <m:dPr>
+                        <m:ctrlPr>
+                          <a:rPr lang="en-US" sz="1200" b="0" i="1" smtClean="0">
+                            <a:latin typeface="Cambria Math" panose="02040503050406030204" pitchFamily="18" charset="0"/>
+                          </a:rPr>
+                        </m:ctrlPr>
+                      </m:dPr>
+                      <m:e>
+                        <m:r>
+                          <a:rPr lang="en-US" sz="1200" b="0" i="1" smtClean="0">
+                            <a:latin typeface="Cambria Math" panose="02040503050406030204" pitchFamily="18" charset="0"/>
+                          </a:rPr>
+                          <m:t>𝑡</m:t>
+                        </m:r>
+                        <m:r>
+                          <a:rPr lang="en-US" sz="1200" b="0" i="1" smtClean="0">
+                            <a:latin typeface="Cambria Math" panose="02040503050406030204" pitchFamily="18" charset="0"/>
+                          </a:rPr>
+                          <m:t>+1</m:t>
+                        </m:r>
+                      </m:e>
+                    </m:d>
+                    <m:r>
+                      <a:rPr lang="en-US" sz="1200" b="0" i="1" smtClean="0">
+                        <a:latin typeface="Cambria Math" panose="02040503050406030204" pitchFamily="18" charset="0"/>
+                      </a:rPr>
+                      <m:t>=</m:t>
+                    </m:r>
+                    <m:sSup>
+                      <m:sSupPr>
+                        <m:ctrlPr>
+                          <a:rPr lang="en-US" sz="1200" b="0" i="1" smtClean="0">
+                            <a:latin typeface="Cambria Math" panose="02040503050406030204" pitchFamily="18" charset="0"/>
+                          </a:rPr>
+                        </m:ctrlPr>
+                      </m:sSupPr>
+                      <m:e>
+                        <m:r>
+                          <a:rPr lang="en-US" sz="1200" b="0" i="1" smtClean="0">
+                            <a:latin typeface="Cambria Math" panose="02040503050406030204" pitchFamily="18" charset="0"/>
+                          </a:rPr>
+                          <m:t>𝑓</m:t>
+                        </m:r>
+                      </m:e>
+                      <m:sup>
+                        <m:r>
+                          <a:rPr lang="en-US" sz="1200" b="0" i="1" smtClean="0">
+                            <a:latin typeface="Cambria Math" panose="02040503050406030204" pitchFamily="18" charset="0"/>
+                          </a:rPr>
+                          <m:t>′</m:t>
+                        </m:r>
+                      </m:sup>
+                    </m:sSup>
+                    <m:d>
+                      <m:dPr>
+                        <m:ctrlPr>
+                          <a:rPr lang="en-US" sz="1200" b="0" i="1" smtClean="0">
+                            <a:latin typeface="Cambria Math" panose="02040503050406030204" pitchFamily="18" charset="0"/>
+                          </a:rPr>
+                        </m:ctrlPr>
+                      </m:dPr>
+                      <m:e>
+                        <m:r>
+                          <a:rPr lang="en-US" sz="1200" b="0" i="1" smtClean="0">
+                            <a:latin typeface="Cambria Math" panose="02040503050406030204" pitchFamily="18" charset="0"/>
+                          </a:rPr>
+                          <m:t>𝑝𝑟𝑜𝑗𝑒𝑐𝑡</m:t>
+                        </m:r>
+                        <m:d>
+                          <m:dPr>
+                            <m:ctrlPr>
+                              <a:rPr lang="en-US" sz="1200" b="0" i="1" smtClean="0">
+                                <a:latin typeface="Cambria Math" panose="02040503050406030204" pitchFamily="18" charset="0"/>
+                              </a:rPr>
+                            </m:ctrlPr>
+                          </m:dPr>
+                          <m:e>
+                            <m:r>
+                              <a:rPr lang="en-US" sz="1200" b="0" i="1" smtClean="0">
+                                <a:latin typeface="Cambria Math" panose="02040503050406030204" pitchFamily="18" charset="0"/>
+                              </a:rPr>
+                              <m:t>𝑡</m:t>
+                            </m:r>
+                            <m:r>
+                              <a:rPr lang="en-US" sz="1200" b="0" i="1" smtClean="0">
+                                <a:latin typeface="Cambria Math" panose="02040503050406030204" pitchFamily="18" charset="0"/>
+                              </a:rPr>
+                              <m:t>+1</m:t>
+                            </m:r>
+                          </m:e>
+                        </m:d>
+                      </m:e>
+                    </m:d>
+                  </m:oMath>
+                </a14:m>
+                <a:endParaRPr lang="en-US" sz="1200" b="0" dirty="0" smtClean="0"/>
+              </a:p>
+              <a:p>
+                <a:pPr lvl="2"/>
+                <a14:m>
+                  <m:oMath xmlns:m="http://schemas.openxmlformats.org/officeDocument/2006/math">
+                    <m:r>
+                      <a:rPr lang="en-US" sz="1200" b="0" i="1" smtClean="0">
+                        <a:latin typeface="Cambria Math" panose="02040503050406030204" pitchFamily="18" charset="0"/>
+                      </a:rPr>
+                      <m:t>𝑐h𝑎𝑛𝑔𝑒</m:t>
+                    </m:r>
+                    <m:d>
+                      <m:dPr>
+                        <m:ctrlPr>
+                          <a:rPr lang="en-US" sz="1200" b="0" i="1" smtClean="0">
+                            <a:latin typeface="Cambria Math" panose="02040503050406030204" pitchFamily="18" charset="0"/>
+                          </a:rPr>
+                        </m:ctrlPr>
+                      </m:dPr>
+                      <m:e>
+                        <m:r>
+                          <a:rPr lang="en-US" sz="1200" b="0" i="1" smtClean="0">
+                            <a:latin typeface="Cambria Math" panose="02040503050406030204" pitchFamily="18" charset="0"/>
+                          </a:rPr>
+                          <m:t>𝑡</m:t>
+                        </m:r>
+                        <m:r>
+                          <a:rPr lang="en-US" sz="1200" b="0" i="1" smtClean="0">
+                            <a:latin typeface="Cambria Math" panose="02040503050406030204" pitchFamily="18" charset="0"/>
+                          </a:rPr>
+                          <m:t>+1</m:t>
+                        </m:r>
+                      </m:e>
+                    </m:d>
+                    <m:r>
+                      <a:rPr lang="en-US" sz="1200" b="0" i="1" smtClean="0">
+                        <a:latin typeface="Cambria Math" panose="02040503050406030204" pitchFamily="18" charset="0"/>
+                      </a:rPr>
+                      <m:t>=</m:t>
+                    </m:r>
+                    <m:r>
+                      <a:rPr lang="en-US" sz="1200" b="0" i="1" smtClean="0">
+                        <a:latin typeface="Cambria Math" panose="02040503050406030204" pitchFamily="18" charset="0"/>
+                      </a:rPr>
+                      <m:t>𝑚𝑜𝑚𝑒𝑛𝑡𝑢𝑚</m:t>
+                    </m:r>
+                    <m:r>
+                      <a:rPr lang="en-US" sz="1200" b="0" i="1" smtClean="0">
+                        <a:latin typeface="Cambria Math" panose="02040503050406030204" pitchFamily="18" charset="0"/>
+                      </a:rPr>
+                      <m:t>∗</m:t>
+                    </m:r>
+                    <m:r>
+                      <a:rPr lang="en-US" sz="1200" b="0" i="1" smtClean="0">
+                        <a:latin typeface="Cambria Math" panose="02040503050406030204" pitchFamily="18" charset="0"/>
+                      </a:rPr>
+                      <m:t>𝑐h𝑎𝑛𝑔𝑒</m:t>
+                    </m:r>
+                    <m:d>
+                      <m:dPr>
+                        <m:ctrlPr>
+                          <a:rPr lang="en-US" sz="1200" b="0" i="1" smtClean="0">
+                            <a:latin typeface="Cambria Math" panose="02040503050406030204" pitchFamily="18" charset="0"/>
+                          </a:rPr>
+                        </m:ctrlPr>
+                      </m:dPr>
+                      <m:e>
+                        <m:r>
+                          <a:rPr lang="en-US" sz="1200" b="0" i="1" smtClean="0">
+                            <a:latin typeface="Cambria Math" panose="02040503050406030204" pitchFamily="18" charset="0"/>
+                          </a:rPr>
+                          <m:t>𝑡</m:t>
+                        </m:r>
+                        <m:r>
+                          <a:rPr lang="en-US" sz="1200" b="0" i="1" smtClean="0">
+                            <a:latin typeface="Cambria Math" panose="02040503050406030204" pitchFamily="18" charset="0"/>
+                          </a:rPr>
+                          <m:t>+1</m:t>
+                        </m:r>
+                      </m:e>
+                    </m:d>
+                    <m:r>
+                      <a:rPr lang="en-US" sz="1200" b="0" i="1" smtClean="0">
+                        <a:latin typeface="Cambria Math" panose="02040503050406030204" pitchFamily="18" charset="0"/>
+                      </a:rPr>
+                      <m:t>−</m:t>
+                    </m:r>
+                    <m:r>
+                      <a:rPr lang="en-US" sz="1200" b="0" i="1" smtClean="0">
+                        <a:latin typeface="Cambria Math" panose="02040503050406030204" pitchFamily="18" charset="0"/>
+                      </a:rPr>
+                      <m:t>𝑙𝑒𝑎𝑟𝑛𝑖𝑛𝑔𝑅𝑎𝑡𝑒</m:t>
+                    </m:r>
+                    <m:r>
+                      <a:rPr lang="en-US" sz="1200" b="0" i="1" smtClean="0">
+                        <a:latin typeface="Cambria Math" panose="02040503050406030204" pitchFamily="18" charset="0"/>
+                      </a:rPr>
+                      <m:t>∗</m:t>
+                    </m:r>
+                    <m:r>
+                      <a:rPr lang="en-US" sz="1200" b="0" i="1" smtClean="0">
+                        <a:latin typeface="Cambria Math" panose="02040503050406030204" pitchFamily="18" charset="0"/>
+                      </a:rPr>
+                      <m:t>𝑔𝑟𝑎𝑑𝑖𝑒𝑛𝑡</m:t>
+                    </m:r>
+                    <m:d>
+                      <m:dPr>
+                        <m:ctrlPr>
+                          <a:rPr lang="en-US" sz="1200" b="0" i="1" smtClean="0">
+                            <a:latin typeface="Cambria Math" panose="02040503050406030204" pitchFamily="18" charset="0"/>
+                          </a:rPr>
+                        </m:ctrlPr>
+                      </m:dPr>
+                      <m:e>
+                        <m:r>
+                          <a:rPr lang="en-US" sz="1200" b="0" i="1" smtClean="0">
+                            <a:latin typeface="Cambria Math" panose="02040503050406030204" pitchFamily="18" charset="0"/>
+                          </a:rPr>
+                          <m:t>𝑡</m:t>
+                        </m:r>
+                        <m:r>
+                          <a:rPr lang="en-US" sz="1200" b="0" i="1" smtClean="0">
+                            <a:latin typeface="Cambria Math" panose="02040503050406030204" pitchFamily="18" charset="0"/>
+                          </a:rPr>
+                          <m:t>+1</m:t>
+                        </m:r>
+                      </m:e>
+                    </m:d>
+                  </m:oMath>
+                </a14:m>
+                <a:endParaRPr lang="en-US" sz="1200" b="0" dirty="0" smtClean="0"/>
+              </a:p>
+              <a:p>
+                <a:pPr lvl="2"/>
+                <a14:m>
+                  <m:oMath xmlns:m="http://schemas.openxmlformats.org/officeDocument/2006/math">
+                    <m:r>
+                      <a:rPr lang="en-US" sz="1200" b="0" i="1" smtClean="0">
+                        <a:latin typeface="Cambria Math" panose="02040503050406030204" pitchFamily="18" charset="0"/>
+                      </a:rPr>
+                      <m:t>𝑥</m:t>
+                    </m:r>
+                    <m:d>
+                      <m:dPr>
+                        <m:ctrlPr>
+                          <a:rPr lang="en-US" sz="1200" b="0" i="1" smtClean="0">
+                            <a:latin typeface="Cambria Math" panose="02040503050406030204" pitchFamily="18" charset="0"/>
+                          </a:rPr>
+                        </m:ctrlPr>
+                      </m:dPr>
+                      <m:e>
+                        <m:r>
+                          <a:rPr lang="en-US" sz="1200" b="0" i="1" smtClean="0">
+                            <a:latin typeface="Cambria Math" panose="02040503050406030204" pitchFamily="18" charset="0"/>
+                          </a:rPr>
+                          <m:t>𝑡</m:t>
+                        </m:r>
+                        <m:r>
+                          <a:rPr lang="en-US" sz="1200" b="0" i="1" smtClean="0">
+                            <a:latin typeface="Cambria Math" panose="02040503050406030204" pitchFamily="18" charset="0"/>
+                          </a:rPr>
+                          <m:t>+1</m:t>
+                        </m:r>
+                      </m:e>
+                    </m:d>
+                    <m:r>
+                      <a:rPr lang="en-US" sz="1200" b="0" i="1" smtClean="0">
+                        <a:latin typeface="Cambria Math" panose="02040503050406030204" pitchFamily="18" charset="0"/>
+                      </a:rPr>
+                      <m:t>=</m:t>
+                    </m:r>
+                    <m:r>
+                      <a:rPr lang="en-US" sz="1200" b="0" i="1" smtClean="0">
+                        <a:latin typeface="Cambria Math" panose="02040503050406030204" pitchFamily="18" charset="0"/>
+                      </a:rPr>
+                      <m:t>𝑥</m:t>
+                    </m:r>
+                    <m:d>
+                      <m:dPr>
+                        <m:ctrlPr>
+                          <a:rPr lang="en-US" sz="1200" b="0" i="1" smtClean="0">
+                            <a:latin typeface="Cambria Math" panose="02040503050406030204" pitchFamily="18" charset="0"/>
+                          </a:rPr>
+                        </m:ctrlPr>
+                      </m:dPr>
+                      <m:e>
+                        <m:r>
+                          <a:rPr lang="en-US" sz="1200" b="0" i="1" smtClean="0">
+                            <a:latin typeface="Cambria Math" panose="02040503050406030204" pitchFamily="18" charset="0"/>
+                          </a:rPr>
+                          <m:t>𝑡</m:t>
+                        </m:r>
+                      </m:e>
+                    </m:d>
+                    <m:r>
+                      <a:rPr lang="en-US" sz="1200" b="0" i="1" smtClean="0">
+                        <a:latin typeface="Cambria Math" panose="02040503050406030204" pitchFamily="18" charset="0"/>
+                      </a:rPr>
+                      <m:t>+</m:t>
+                    </m:r>
+                    <m:r>
+                      <a:rPr lang="en-US" sz="1200" b="0" i="1" smtClean="0">
+                        <a:latin typeface="Cambria Math" panose="02040503050406030204" pitchFamily="18" charset="0"/>
+                      </a:rPr>
+                      <m:t>𝑐h𝑎𝑛𝑔𝑒</m:t>
+                    </m:r>
+                    <m:r>
+                      <a:rPr lang="en-US" sz="1200" b="0" i="1" smtClean="0">
+                        <a:latin typeface="Cambria Math" panose="02040503050406030204" pitchFamily="18" charset="0"/>
+                      </a:rPr>
+                      <m:t>(</m:t>
+                    </m:r>
+                    <m:r>
+                      <a:rPr lang="en-US" sz="1200" b="0" i="1" smtClean="0">
+                        <a:latin typeface="Cambria Math" panose="02040503050406030204" pitchFamily="18" charset="0"/>
+                      </a:rPr>
+                      <m:t>𝑡</m:t>
+                    </m:r>
+                    <m:r>
+                      <a:rPr lang="en-US" sz="1200" b="0" i="1" smtClean="0">
+                        <a:latin typeface="Cambria Math" panose="02040503050406030204" pitchFamily="18" charset="0"/>
+                      </a:rPr>
+                      <m:t>+1)</m:t>
+                    </m:r>
+                  </m:oMath>
+                </a14:m>
+                <a:endParaRPr lang="en-US" sz="1200" dirty="0"/>
+              </a:p>
+              <a:p>
+                <a:pPr>
+                  <a:buFont typeface="Wingdings" panose="05000000000000000000" pitchFamily="2" charset="2"/>
+                  <a:buChar char="§"/>
+                </a:pPr>
+                <a:endParaRPr lang="en-US" sz="1800" dirty="0" smtClean="0"/>
+              </a:p>
+              <a:p>
+                <a:endParaRPr lang="en-US" sz="1800" dirty="0"/>
+              </a:p>
+            </p:txBody>
+          </p:sp>
+        </mc:Choice>
+        <mc:Fallback>
+          <p:sp>
+            <p:nvSpPr>
+              <p:cNvPr id="3" name="Content Placeholder 2"/>
+              <p:cNvSpPr>
+                <a:spLocks noGrp="1" noRot="1" noChangeAspect="1" noMove="1" noResize="1" noEditPoints="1" noAdjustHandles="1" noChangeArrowheads="1" noChangeShapeType="1" noTextEdit="1"/>
+              </p:cNvSpPr>
+              <p:nvPr>
+                <p:ph idx="1"/>
+              </p:nvPr>
+            </p:nvSpPr>
+            <p:spPr>
+              <a:blipFill>
+                <a:blip r:embed="rId2"/>
+                <a:stretch>
+                  <a:fillRect l="-382"/>
+                </a:stretch>
+              </a:blipFill>
+            </p:spPr>
+            <p:txBody>
+              <a:bodyPr/>
+              <a:lstStyle/>
+              <a:p>
+                <a:r>
+                  <a:rPr lang="en-US">
+                    <a:noFill/>
+                  </a:rPr>
+                  <a:t> </a:t>
+                </a:r>
+              </a:p>
+            </p:txBody>
+          </p:sp>
+        </mc:Fallback>
+      </mc:AlternateContent>
       <p:sp>
         <p:nvSpPr>
           <p:cNvPr id="4" name="TextBox 3"/>
